--- a/предзащита 2.pptx
+++ b/предзащита 2.pptx
@@ -5,19 +5,20 @@
     <p:sldMasterId id="2147483659" r:id="rId1"/>
   </p:sldMasterIdLst>
   <p:notesMasterIdLst>
-    <p:notesMasterId r:id="rId12"/>
+    <p:notesMasterId r:id="rId13"/>
   </p:notesMasterIdLst>
   <p:sldIdLst>
     <p:sldId id="256" r:id="rId2"/>
     <p:sldId id="282" r:id="rId3"/>
     <p:sldId id="259" r:id="rId4"/>
-    <p:sldId id="262" r:id="rId5"/>
-    <p:sldId id="283" r:id="rId6"/>
-    <p:sldId id="284" r:id="rId7"/>
-    <p:sldId id="287" r:id="rId8"/>
-    <p:sldId id="285" r:id="rId9"/>
-    <p:sldId id="289" r:id="rId10"/>
-    <p:sldId id="257" r:id="rId11"/>
+    <p:sldId id="290" r:id="rId5"/>
+    <p:sldId id="262" r:id="rId6"/>
+    <p:sldId id="283" r:id="rId7"/>
+    <p:sldId id="284" r:id="rId8"/>
+    <p:sldId id="287" r:id="rId9"/>
+    <p:sldId id="285" r:id="rId10"/>
+    <p:sldId id="289" r:id="rId11"/>
+    <p:sldId id="257" r:id="rId12"/>
   </p:sldIdLst>
   <p:sldSz cx="12192000" cy="6858000"/>
   <p:notesSz cx="6858000" cy="9144000"/>
@@ -13188,6 +13189,732 @@
   <p:cSld>
     <p:spTree>
       <p:nvGrpSpPr>
+        <p:cNvPr id="1" name="Shape 153">
+          <a:extLst>
+            <a:ext uri="{FF2B5EF4-FFF2-40B4-BE49-F238E27FC236}">
+              <a16:creationId xmlns:a16="http://schemas.microsoft.com/office/drawing/2014/main" id="{9655AF69-7A56-6E58-F417-32874196BA6B}"/>
+            </a:ext>
+          </a:extLst>
+        </p:cNvPr>
+        <p:cNvGrpSpPr/>
+        <p:nvPr/>
+      </p:nvGrpSpPr>
+      <p:grpSpPr>
+        <a:xfrm>
+          <a:off x="0" y="0"/>
+          <a:ext cx="0" cy="0"/>
+          <a:chOff x="0" y="0"/>
+          <a:chExt cx="0" cy="0"/>
+        </a:xfrm>
+      </p:grpSpPr>
+      <p:sp>
+        <p:nvSpPr>
+          <p:cNvPr id="154" name="Google Shape;154;p19">
+            <a:extLst>
+              <a:ext uri="{FF2B5EF4-FFF2-40B4-BE49-F238E27FC236}">
+                <a16:creationId xmlns:a16="http://schemas.microsoft.com/office/drawing/2014/main" id="{DD577FE4-13A7-38AD-81C9-ACF88AF3CC59}"/>
+              </a:ext>
+            </a:extLst>
+          </p:cNvPr>
+          <p:cNvSpPr txBox="1">
+            <a:spLocks noGrp="1"/>
+          </p:cNvSpPr>
+          <p:nvPr>
+            <p:ph type="title"/>
+          </p:nvPr>
+        </p:nvSpPr>
+        <p:spPr>
+          <a:xfrm>
+            <a:off x="1767155" y="78381"/>
+            <a:ext cx="8522693" cy="769811"/>
+          </a:xfrm>
+          <a:prstGeom prst="rect">
+            <a:avLst/>
+          </a:prstGeom>
+          <a:noFill/>
+          <a:ln>
+            <a:noFill/>
+          </a:ln>
+        </p:spPr>
+        <p:txBody>
+          <a:bodyPr spcFirstLastPara="1" wrap="square" lIns="91425" tIns="45700" rIns="91425" bIns="45700" anchor="b" anchorCtr="0">
+            <a:normAutofit/>
+          </a:bodyPr>
+          <a:lstStyle/>
+          <a:p>
+            <a:pPr marL="0" lvl="0" indent="0" algn="l" rtl="0">
+              <a:lnSpc>
+                <a:spcPct val="90000"/>
+              </a:lnSpc>
+              <a:spcBef>
+                <a:spcPts val="0"/>
+              </a:spcBef>
+              <a:spcAft>
+                <a:spcPts val="0"/>
+              </a:spcAft>
+              <a:buClr>
+                <a:srgbClr val="0073B6"/>
+              </a:buClr>
+              <a:buSzPts val="4400"/>
+              <a:buFont typeface="Calibri"/>
+              <a:buNone/>
+            </a:pPr>
+            <a:r>
+              <a:rPr lang="ru-BY" b="1" dirty="0">
+                <a:solidFill>
+                  <a:srgbClr val="0073B6"/>
+                </a:solidFill>
+              </a:rPr>
+              <a:t>Планы на будущее	</a:t>
+            </a:r>
+            <a:endParaRPr dirty="0"/>
+          </a:p>
+        </p:txBody>
+      </p:sp>
+      <p:grpSp>
+        <p:nvGrpSpPr>
+          <p:cNvPr id="156" name="Google Shape;156;p19">
+            <a:extLst>
+              <a:ext uri="{FF2B5EF4-FFF2-40B4-BE49-F238E27FC236}">
+                <a16:creationId xmlns:a16="http://schemas.microsoft.com/office/drawing/2014/main" id="{CAB90777-9FAF-8944-EA7E-2D15DFE57269}"/>
+              </a:ext>
+            </a:extLst>
+          </p:cNvPr>
+          <p:cNvGrpSpPr/>
+          <p:nvPr/>
+        </p:nvGrpSpPr>
+        <p:grpSpPr>
+          <a:xfrm>
+            <a:off x="653795" y="216259"/>
+            <a:ext cx="10918788" cy="561962"/>
+            <a:chOff x="653795" y="216259"/>
+            <a:chExt cx="10918788" cy="561962"/>
+          </a:xfrm>
+        </p:grpSpPr>
+        <p:pic>
+          <p:nvPicPr>
+            <p:cNvPr id="157" name="Google Shape;157;p19">
+              <a:extLst>
+                <a:ext uri="{FF2B5EF4-FFF2-40B4-BE49-F238E27FC236}">
+                  <a16:creationId xmlns:a16="http://schemas.microsoft.com/office/drawing/2014/main" id="{A691309B-E17C-61CB-5054-46483EFA609D}"/>
+                </a:ext>
+              </a:extLst>
+            </p:cNvPr>
+            <p:cNvPicPr preferRelativeResize="0"/>
+            <p:nvPr/>
+          </p:nvPicPr>
+          <p:blipFill rotWithShape="1">
+            <a:blip r:embed="rId3">
+              <a:alphaModFix/>
+            </a:blip>
+            <a:srcRect/>
+            <a:stretch/>
+          </p:blipFill>
+          <p:spPr>
+            <a:xfrm>
+              <a:off x="10289848" y="216259"/>
+              <a:ext cx="1282735" cy="446617"/>
+            </a:xfrm>
+            <a:prstGeom prst="rect">
+              <a:avLst/>
+            </a:prstGeom>
+            <a:noFill/>
+            <a:ln>
+              <a:noFill/>
+            </a:ln>
+          </p:spPr>
+        </p:pic>
+        <p:sp>
+          <p:nvSpPr>
+            <p:cNvPr id="158" name="Google Shape;158;p19">
+              <a:extLst>
+                <a:ext uri="{FF2B5EF4-FFF2-40B4-BE49-F238E27FC236}">
+                  <a16:creationId xmlns:a16="http://schemas.microsoft.com/office/drawing/2014/main" id="{F38564D1-9AF6-4577-0ABE-FA719BF32857}"/>
+                </a:ext>
+              </a:extLst>
+            </p:cNvPr>
+            <p:cNvSpPr/>
+            <p:nvPr/>
+          </p:nvSpPr>
+          <p:spPr>
+            <a:xfrm>
+              <a:off x="986118" y="756621"/>
+              <a:ext cx="10586465" cy="21600"/>
+            </a:xfrm>
+            <a:prstGeom prst="rect">
+              <a:avLst/>
+            </a:prstGeom>
+            <a:solidFill>
+              <a:srgbClr val="0070C0"/>
+            </a:solidFill>
+            <a:ln>
+              <a:noFill/>
+            </a:ln>
+          </p:spPr>
+          <p:txBody>
+            <a:bodyPr spcFirstLastPara="1" wrap="square" lIns="91425" tIns="45700" rIns="91425" bIns="45700" anchor="ctr" anchorCtr="0">
+              <a:noAutofit/>
+            </a:bodyPr>
+            <a:lstStyle/>
+            <a:p>
+              <a:pPr marL="0" marR="0" lvl="0" indent="0" algn="ctr" rtl="0">
+                <a:spcBef>
+                  <a:spcPts val="0"/>
+                </a:spcBef>
+                <a:spcAft>
+                  <a:spcPts val="0"/>
+                </a:spcAft>
+                <a:buNone/>
+              </a:pPr>
+              <a:endParaRPr sz="1800">
+                <a:solidFill>
+                  <a:srgbClr val="7030A0"/>
+                </a:solidFill>
+                <a:latin typeface="Calibri"/>
+                <a:ea typeface="Calibri"/>
+                <a:cs typeface="Calibri"/>
+                <a:sym typeface="Calibri"/>
+              </a:endParaRPr>
+            </a:p>
+          </p:txBody>
+        </p:sp>
+        <p:pic>
+          <p:nvPicPr>
+            <p:cNvPr id="159" name="Google Shape;159;p19">
+              <a:extLst>
+                <a:ext uri="{FF2B5EF4-FFF2-40B4-BE49-F238E27FC236}">
+                  <a16:creationId xmlns:a16="http://schemas.microsoft.com/office/drawing/2014/main" id="{5C971E1E-0831-2FD3-6840-67E5952042DA}"/>
+                </a:ext>
+              </a:extLst>
+            </p:cNvPr>
+            <p:cNvPicPr preferRelativeResize="0"/>
+            <p:nvPr/>
+          </p:nvPicPr>
+          <p:blipFill rotWithShape="1">
+            <a:blip r:embed="rId4">
+              <a:alphaModFix/>
+            </a:blip>
+            <a:srcRect/>
+            <a:stretch/>
+          </p:blipFill>
+          <p:spPr>
+            <a:xfrm>
+              <a:off x="653795" y="228173"/>
+              <a:ext cx="917722" cy="434968"/>
+            </a:xfrm>
+            <a:prstGeom prst="rect">
+              <a:avLst/>
+            </a:prstGeom>
+            <a:noFill/>
+            <a:ln>
+              <a:noFill/>
+            </a:ln>
+          </p:spPr>
+        </p:pic>
+      </p:grpSp>
+      <p:sp>
+        <p:nvSpPr>
+          <p:cNvPr id="160" name="Google Shape;160;p19">
+            <a:extLst>
+              <a:ext uri="{FF2B5EF4-FFF2-40B4-BE49-F238E27FC236}">
+                <a16:creationId xmlns:a16="http://schemas.microsoft.com/office/drawing/2014/main" id="{E971763C-EC43-1221-221A-4BD0974CE564}"/>
+              </a:ext>
+            </a:extLst>
+          </p:cNvPr>
+          <p:cNvSpPr txBox="1">
+            <a:spLocks noGrp="1"/>
+          </p:cNvSpPr>
+          <p:nvPr>
+            <p:ph type="sldNum" idx="12"/>
+          </p:nvPr>
+        </p:nvSpPr>
+        <p:spPr>
+          <a:xfrm>
+            <a:off x="8610600" y="6356350"/>
+            <a:ext cx="2743200" cy="365125"/>
+          </a:xfrm>
+          <a:prstGeom prst="rect">
+            <a:avLst/>
+          </a:prstGeom>
+          <a:noFill/>
+          <a:ln>
+            <a:noFill/>
+          </a:ln>
+        </p:spPr>
+        <p:txBody>
+          <a:bodyPr spcFirstLastPara="1" wrap="square" lIns="91425" tIns="45700" rIns="91425" bIns="45700" anchor="ctr" anchorCtr="0">
+            <a:noAutofit/>
+          </a:bodyPr>
+          <a:lstStyle/>
+          <a:p>
+            <a:pPr marL="0" lvl="0" indent="0" algn="r" rtl="0">
+              <a:spcBef>
+                <a:spcPts val="0"/>
+              </a:spcBef>
+              <a:spcAft>
+                <a:spcPts val="0"/>
+              </a:spcAft>
+              <a:buNone/>
+            </a:pPr>
+            <a:fld id="{00000000-1234-1234-1234-123412341234}" type="slidenum">
+              <a:rPr lang="ru-RU"/>
+              <a:t>10</a:t>
+            </a:fld>
+            <a:endParaRPr/>
+          </a:p>
+        </p:txBody>
+      </p:sp>
+      <p:sp>
+        <p:nvSpPr>
+          <p:cNvPr id="3" name="AutoShape 4" descr="Selenium for Security Engineers. What is Selenium? | by Arnav Tripathy |  Medium">
+            <a:extLst>
+              <a:ext uri="{FF2B5EF4-FFF2-40B4-BE49-F238E27FC236}">
+                <a16:creationId xmlns:a16="http://schemas.microsoft.com/office/drawing/2014/main" id="{962A5612-BC93-7B9A-1C35-F8D1785DDB83}"/>
+              </a:ext>
+            </a:extLst>
+          </p:cNvPr>
+          <p:cNvSpPr>
+            <a:spLocks noChangeAspect="1" noChangeArrowheads="1"/>
+          </p:cNvSpPr>
+          <p:nvPr/>
+        </p:nvSpPr>
+        <p:spPr bwMode="auto">
+          <a:xfrm>
+            <a:off x="7602715" y="2065235"/>
+            <a:ext cx="548137" cy="548137"/>
+          </a:xfrm>
+          <a:prstGeom prst="rect">
+            <a:avLst/>
+          </a:prstGeom>
+          <a:noFill/>
+          <a:extLst>
+            <a:ext uri="{909E8E84-426E-40DD-AFC4-6F175D3DCCD1}">
+              <a14:hiddenFill xmlns:a14="http://schemas.microsoft.com/office/drawing/2010/main">
+                <a:solidFill>
+                  <a:srgbClr val="FFFFFF"/>
+                </a:solidFill>
+              </a14:hiddenFill>
+            </a:ext>
+          </a:extLst>
+        </p:spPr>
+        <p:txBody>
+          <a:bodyPr vert="horz" wrap="square" lIns="91440" tIns="45720" rIns="91440" bIns="45720" numCol="1" anchor="t" anchorCtr="0" compatLnSpc="1">
+            <a:prstTxWarp prst="textNoShape">
+              <a:avLst/>
+            </a:prstTxWarp>
+          </a:bodyPr>
+          <a:lstStyle/>
+          <a:p>
+            <a:endParaRPr lang="ru-BY"/>
+          </a:p>
+        </p:txBody>
+      </p:sp>
+      <p:sp>
+        <p:nvSpPr>
+          <p:cNvPr id="7" name="AutoShape 2" descr="GitHub - boostorg/boost: Super-project for modularized Boost">
+            <a:extLst>
+              <a:ext uri="{FF2B5EF4-FFF2-40B4-BE49-F238E27FC236}">
+                <a16:creationId xmlns:a16="http://schemas.microsoft.com/office/drawing/2014/main" id="{EDA3F412-BBEA-C5EB-9EE5-B48F17B4F4BB}"/>
+              </a:ext>
+            </a:extLst>
+          </p:cNvPr>
+          <p:cNvSpPr>
+            <a:spLocks noChangeAspect="1" noChangeArrowheads="1"/>
+          </p:cNvSpPr>
+          <p:nvPr/>
+        </p:nvSpPr>
+        <p:spPr bwMode="auto">
+          <a:xfrm>
+            <a:off x="6096000" y="3429000"/>
+            <a:ext cx="1661652" cy="1661652"/>
+          </a:xfrm>
+          <a:prstGeom prst="rect">
+            <a:avLst/>
+          </a:prstGeom>
+          <a:noFill/>
+          <a:extLst>
+            <a:ext uri="{909E8E84-426E-40DD-AFC4-6F175D3DCCD1}">
+              <a14:hiddenFill xmlns:a14="http://schemas.microsoft.com/office/drawing/2010/main">
+                <a:solidFill>
+                  <a:srgbClr val="FFFFFF"/>
+                </a:solidFill>
+              </a14:hiddenFill>
+            </a:ext>
+          </a:extLst>
+        </p:spPr>
+        <p:txBody>
+          <a:bodyPr vert="horz" wrap="square" lIns="91440" tIns="45720" rIns="91440" bIns="45720" numCol="1" anchor="t" anchorCtr="0" compatLnSpc="1">
+            <a:prstTxWarp prst="textNoShape">
+              <a:avLst/>
+            </a:prstTxWarp>
+          </a:bodyPr>
+          <a:lstStyle/>
+          <a:p>
+            <a:endParaRPr lang="ru-BY"/>
+          </a:p>
+        </p:txBody>
+      </p:sp>
+      <p:sp>
+        <p:nvSpPr>
+          <p:cNvPr id="8" name="AutoShape 4" descr="GitHub - boostorg/boost: Super-project for modularized Boost">
+            <a:extLst>
+              <a:ext uri="{FF2B5EF4-FFF2-40B4-BE49-F238E27FC236}">
+                <a16:creationId xmlns:a16="http://schemas.microsoft.com/office/drawing/2014/main" id="{EBE2738F-977C-DBBF-E466-77298DB4D0D3}"/>
+              </a:ext>
+            </a:extLst>
+          </p:cNvPr>
+          <p:cNvSpPr>
+            <a:spLocks noChangeAspect="1" noChangeArrowheads="1"/>
+          </p:cNvSpPr>
+          <p:nvPr/>
+        </p:nvSpPr>
+        <p:spPr bwMode="auto">
+          <a:xfrm>
+            <a:off x="6096000" y="3429000"/>
+            <a:ext cx="304800" cy="304800"/>
+          </a:xfrm>
+          <a:prstGeom prst="rect">
+            <a:avLst/>
+          </a:prstGeom>
+          <a:noFill/>
+          <a:extLst>
+            <a:ext uri="{909E8E84-426E-40DD-AFC4-6F175D3DCCD1}">
+              <a14:hiddenFill xmlns:a14="http://schemas.microsoft.com/office/drawing/2010/main">
+                <a:solidFill>
+                  <a:srgbClr val="FFFFFF"/>
+                </a:solidFill>
+              </a14:hiddenFill>
+            </a:ext>
+          </a:extLst>
+        </p:spPr>
+        <p:txBody>
+          <a:bodyPr vert="horz" wrap="square" lIns="91440" tIns="45720" rIns="91440" bIns="45720" numCol="1" anchor="t" anchorCtr="0" compatLnSpc="1">
+            <a:prstTxWarp prst="textNoShape">
+              <a:avLst/>
+            </a:prstTxWarp>
+          </a:bodyPr>
+          <a:lstStyle/>
+          <a:p>
+            <a:endParaRPr lang="ru-BY"/>
+          </a:p>
+        </p:txBody>
+      </p:sp>
+      <p:sp>
+        <p:nvSpPr>
+          <p:cNvPr id="2" name="TextBox 1">
+            <a:extLst>
+              <a:ext uri="{FF2B5EF4-FFF2-40B4-BE49-F238E27FC236}">
+                <a16:creationId xmlns:a16="http://schemas.microsoft.com/office/drawing/2014/main" id="{2D59395F-A30F-C29D-0BB4-124954D276ED}"/>
+              </a:ext>
+            </a:extLst>
+          </p:cNvPr>
+          <p:cNvSpPr txBox="1"/>
+          <p:nvPr/>
+        </p:nvSpPr>
+        <p:spPr>
+          <a:xfrm>
+            <a:off x="1112656" y="1443841"/>
+            <a:ext cx="10586465" cy="3970318"/>
+          </a:xfrm>
+          <a:prstGeom prst="rect">
+            <a:avLst/>
+          </a:prstGeom>
+          <a:noFill/>
+        </p:spPr>
+        <p:txBody>
+          <a:bodyPr wrap="square" rtlCol="0">
+            <a:spAutoFit/>
+          </a:bodyPr>
+          <a:lstStyle/>
+          <a:p>
+            <a:pPr algn="l">
+              <a:buNone/>
+            </a:pPr>
+            <a:r>
+              <a:rPr lang="en-US" sz="3200" b="0" i="0" dirty="0">
+                <a:solidFill>
+                  <a:srgbClr val="F8FAFF"/>
+                </a:solidFill>
+                <a:effectLst/>
+                <a:latin typeface="DeepSeek-CJK-patch"/>
+              </a:rPr>
+              <a:t> </a:t>
+            </a:r>
+            <a:r>
+              <a:rPr lang="ru-BY" sz="3600" b="0" i="0" dirty="0">
+                <a:solidFill>
+                  <a:srgbClr val="F8FAFF"/>
+                </a:solidFill>
+                <a:effectLst/>
+                <a:latin typeface="DeepSeek-CJK-patch"/>
+              </a:rPr>
+              <a:t>🔹</a:t>
+            </a:r>
+            <a:r>
+              <a:rPr lang="en-US" sz="3600" b="1" i="0" dirty="0">
+                <a:solidFill>
+                  <a:schemeClr val="tx1"/>
+                </a:solidFill>
+                <a:effectLst/>
+                <a:latin typeface="DeepSeek-CJK-patch"/>
+              </a:rPr>
+              <a:t>CI/CD-</a:t>
+            </a:r>
+            <a:r>
+              <a:rPr lang="ru-RU" sz="3600" b="1" i="0" dirty="0">
+                <a:solidFill>
+                  <a:schemeClr val="tx1"/>
+                </a:solidFill>
+                <a:effectLst/>
+                <a:latin typeface="DeepSeek-CJK-patch"/>
+              </a:rPr>
+              <a:t>интеграция</a:t>
+            </a:r>
+            <a:endParaRPr lang="ru-RU" sz="3600" b="0" i="0" dirty="0">
+              <a:solidFill>
+                <a:schemeClr val="tx1"/>
+              </a:solidFill>
+              <a:effectLst/>
+              <a:latin typeface="DeepSeek-CJK-patch"/>
+            </a:endParaRPr>
+          </a:p>
+          <a:p>
+            <a:pPr algn="l">
+              <a:buFont typeface="Arial" panose="020B0604020202020204" pitchFamily="34" charset="0"/>
+              <a:buChar char="•"/>
+            </a:pPr>
+            <a:r>
+              <a:rPr lang="ru-BY" sz="3600" b="0" i="0" dirty="0">
+                <a:solidFill>
+                  <a:schemeClr val="tx1"/>
+                </a:solidFill>
+                <a:effectLst/>
+                <a:latin typeface="DeepSeek-CJK-patch"/>
+              </a:rPr>
+              <a:t> </a:t>
+            </a:r>
+            <a:r>
+              <a:rPr lang="ru-RU" sz="3600" b="0" i="0" dirty="0">
+                <a:solidFill>
+                  <a:schemeClr val="tx1"/>
+                </a:solidFill>
+                <a:effectLst/>
+                <a:latin typeface="DeepSeek-CJK-patch"/>
+              </a:rPr>
+              <a:t>Запуск тестов при </a:t>
+            </a:r>
+            <a:r>
+              <a:rPr lang="en-US" sz="3600" b="0" i="0" dirty="0">
+                <a:solidFill>
+                  <a:schemeClr val="tx1"/>
+                </a:solidFill>
+                <a:effectLst/>
+                <a:latin typeface="DeepSeek-CJK-patch"/>
+              </a:rPr>
+              <a:t>push/merge </a:t>
+            </a:r>
+            <a:r>
+              <a:rPr lang="ru-RU" sz="3600" b="0" i="0" dirty="0">
+                <a:solidFill>
+                  <a:schemeClr val="tx1"/>
+                </a:solidFill>
+                <a:effectLst/>
+                <a:latin typeface="DeepSeek-CJK-patch"/>
+              </a:rPr>
+              <a:t>в </a:t>
+            </a:r>
+            <a:r>
+              <a:rPr lang="en-US" sz="3600" b="0" i="0" dirty="0">
+                <a:solidFill>
+                  <a:schemeClr val="tx1"/>
+                </a:solidFill>
+                <a:effectLst/>
+                <a:latin typeface="DeepSeek-CJK-patch"/>
+              </a:rPr>
+              <a:t>Git (GitLab CI/GitHub Actions)</a:t>
+            </a:r>
+          </a:p>
+          <a:p>
+            <a:pPr algn="l">
+              <a:buNone/>
+            </a:pPr>
+            <a:r>
+              <a:rPr lang="ru-BY" sz="3600" b="0" i="0" dirty="0">
+                <a:solidFill>
+                  <a:schemeClr val="tx1"/>
+                </a:solidFill>
+                <a:effectLst/>
+                <a:latin typeface="DeepSeek-CJK-patch"/>
+              </a:rPr>
+              <a:t>🔹 </a:t>
+            </a:r>
+            <a:r>
+              <a:rPr lang="ru-RU" sz="3600" b="1" i="0" dirty="0">
+                <a:solidFill>
+                  <a:schemeClr val="tx1"/>
+                </a:solidFill>
+                <a:effectLst/>
+                <a:latin typeface="DeepSeek-CJK-patch"/>
+              </a:rPr>
+              <a:t>Расширение тестовой базы</a:t>
+            </a:r>
+            <a:endParaRPr lang="ru-RU" sz="3600" b="0" i="0" dirty="0">
+              <a:solidFill>
+                <a:schemeClr val="tx1"/>
+              </a:solidFill>
+              <a:effectLst/>
+              <a:latin typeface="DeepSeek-CJK-patch"/>
+            </a:endParaRPr>
+          </a:p>
+          <a:p>
+            <a:pPr algn="l">
+              <a:buFont typeface="Arial" panose="020B0604020202020204" pitchFamily="34" charset="0"/>
+              <a:buChar char="•"/>
+            </a:pPr>
+            <a:r>
+              <a:rPr lang="ru-BY" sz="3600" b="0" i="0" dirty="0">
+                <a:solidFill>
+                  <a:schemeClr val="tx1"/>
+                </a:solidFill>
+                <a:effectLst/>
+                <a:latin typeface="DeepSeek-CJK-patch"/>
+              </a:rPr>
+              <a:t> </a:t>
+            </a:r>
+            <a:r>
+              <a:rPr lang="ru-RU" sz="3600" b="0" i="0" dirty="0">
+                <a:solidFill>
+                  <a:schemeClr val="tx1"/>
+                </a:solidFill>
+                <a:effectLst/>
+                <a:latin typeface="DeepSeek-CJK-patch"/>
+              </a:rPr>
+              <a:t>Увеличение покрытия (модульные → </a:t>
+            </a:r>
+            <a:r>
+              <a:rPr lang="ru-BY" sz="3600" b="0" i="0" dirty="0">
+                <a:solidFill>
+                  <a:schemeClr val="tx1"/>
+                </a:solidFill>
+                <a:effectLst/>
+                <a:latin typeface="DeepSeek-CJK-patch"/>
+              </a:rPr>
+              <a:t>системные</a:t>
+            </a:r>
+            <a:r>
+              <a:rPr lang="en-US" sz="3600" b="0" i="0" dirty="0">
+                <a:solidFill>
+                  <a:schemeClr val="tx1"/>
+                </a:solidFill>
+                <a:effectLst/>
+                <a:latin typeface="DeepSeek-CJK-patch"/>
+              </a:rPr>
+              <a:t>)</a:t>
+            </a:r>
+          </a:p>
+          <a:p>
+            <a:pPr algn="l">
+              <a:buNone/>
+            </a:pPr>
+            <a:r>
+              <a:rPr lang="ru-BY" sz="3600" b="0" i="0" dirty="0">
+                <a:solidFill>
+                  <a:schemeClr val="tx1"/>
+                </a:solidFill>
+                <a:effectLst/>
+                <a:latin typeface="DeepSeek-CJK-patch"/>
+              </a:rPr>
+              <a:t>🔹 </a:t>
+            </a:r>
+            <a:r>
+              <a:rPr lang="ru-RU" sz="3600" b="1" i="0" dirty="0">
+                <a:solidFill>
+                  <a:schemeClr val="tx1"/>
+                </a:solidFill>
+                <a:effectLst/>
+                <a:latin typeface="DeepSeek-CJK-patch"/>
+              </a:rPr>
+              <a:t>Улучшенная отчётность</a:t>
+            </a:r>
+            <a:endParaRPr lang="ru-RU" sz="3600" b="0" i="0" dirty="0">
+              <a:solidFill>
+                <a:schemeClr val="tx1"/>
+              </a:solidFill>
+              <a:effectLst/>
+              <a:latin typeface="DeepSeek-CJK-patch"/>
+            </a:endParaRPr>
+          </a:p>
+          <a:p>
+            <a:pPr algn="l">
+              <a:buFont typeface="Arial" panose="020B0604020202020204" pitchFamily="34" charset="0"/>
+              <a:buChar char="•"/>
+            </a:pPr>
+            <a:r>
+              <a:rPr lang="ru-BY" sz="3600" b="0" i="0" dirty="0">
+                <a:solidFill>
+                  <a:schemeClr val="tx1"/>
+                </a:solidFill>
+                <a:effectLst/>
+                <a:latin typeface="DeepSeek-CJK-patch"/>
+              </a:rPr>
+              <a:t> </a:t>
+            </a:r>
+            <a:r>
+              <a:rPr lang="ru-RU" sz="3600" b="0" i="0" dirty="0">
+                <a:solidFill>
+                  <a:schemeClr val="tx1"/>
+                </a:solidFill>
+                <a:effectLst/>
+                <a:latin typeface="DeepSeek-CJK-patch"/>
+              </a:rPr>
+              <a:t>У</a:t>
+            </a:r>
+            <a:r>
+              <a:rPr lang="ru-BY" sz="3600" dirty="0" err="1">
+                <a:solidFill>
+                  <a:schemeClr val="tx1"/>
+                </a:solidFill>
+                <a:latin typeface="DeepSeek-CJK-patch"/>
+              </a:rPr>
+              <a:t>лучшенная</a:t>
+            </a:r>
+            <a:r>
+              <a:rPr lang="ru-BY" sz="3600" dirty="0">
+                <a:solidFill>
+                  <a:schemeClr val="tx1"/>
+                </a:solidFill>
+                <a:latin typeface="DeepSeek-CJK-patch"/>
+              </a:rPr>
+              <a:t> структура отчетов</a:t>
+            </a:r>
+            <a:endParaRPr lang="en-US" sz="3600" b="0" i="0" dirty="0">
+              <a:solidFill>
+                <a:schemeClr val="tx1"/>
+              </a:solidFill>
+              <a:effectLst/>
+              <a:latin typeface="DeepSeek-CJK-patch"/>
+            </a:endParaRPr>
+          </a:p>
+        </p:txBody>
+      </p:sp>
+    </p:spTree>
+    <p:extLst>
+      <p:ext uri="{BB962C8B-B14F-4D97-AF65-F5344CB8AC3E}">
+        <p14:creationId xmlns:p14="http://schemas.microsoft.com/office/powerpoint/2010/main" val="4286829412"/>
+      </p:ext>
+    </p:extLst>
+  </p:cSld>
+  <p:clrMapOvr>
+    <a:masterClrMapping/>
+  </p:clrMapOvr>
+</p:sld>
+</file>
+
+<file path=ppt/slides/slide11.xml><?xml version="1.0" encoding="utf-8"?>
+<p:sld xmlns:a="http://schemas.openxmlformats.org/drawingml/2006/main" xmlns:r="http://schemas.openxmlformats.org/officeDocument/2006/relationships" xmlns:p="http://schemas.openxmlformats.org/presentationml/2006/main">
+  <p:cSld>
+    <p:spTree>
+      <p:nvGrpSpPr>
         <p:cNvPr id="1" name="Shape 96"/>
         <p:cNvGrpSpPr/>
         <p:nvPr/>
@@ -13519,7 +14246,7 @@
             </a:pPr>
             <a:fld id="{00000000-1234-1234-1234-123412341234}" type="slidenum">
               <a:rPr lang="ru-RU"/>
-              <a:t>10</a:t>
+              <a:t>11</a:t>
             </a:fld>
             <a:endParaRPr/>
           </a:p>
@@ -14328,6 +15055,1289 @@
   <p:cSld>
     <p:spTree>
       <p:nvGrpSpPr>
+        <p:cNvPr id="1" name=""/>
+        <p:cNvGrpSpPr/>
+        <p:nvPr/>
+      </p:nvGrpSpPr>
+      <p:grpSpPr>
+        <a:xfrm>
+          <a:off x="0" y="0"/>
+          <a:ext cx="0" cy="0"/>
+          <a:chOff x="0" y="0"/>
+          <a:chExt cx="0" cy="0"/>
+        </a:xfrm>
+      </p:grpSpPr>
+      <p:sp>
+        <p:nvSpPr>
+          <p:cNvPr id="2" name="Заголовок 1">
+            <a:extLst>
+              <a:ext uri="{FF2B5EF4-FFF2-40B4-BE49-F238E27FC236}">
+                <a16:creationId xmlns:a16="http://schemas.microsoft.com/office/drawing/2014/main" id="{080C528A-6429-244A-6EFB-4899C50B264A}"/>
+              </a:ext>
+            </a:extLst>
+          </p:cNvPr>
+          <p:cNvSpPr>
+            <a:spLocks noGrp="1"/>
+          </p:cNvSpPr>
+          <p:nvPr>
+            <p:ph type="title"/>
+          </p:nvPr>
+        </p:nvSpPr>
+        <p:spPr/>
+        <p:txBody>
+          <a:bodyPr/>
+          <a:lstStyle/>
+          <a:p>
+            <a:endParaRPr lang="ru-BY" dirty="0"/>
+          </a:p>
+        </p:txBody>
+      </p:sp>
+      <p:sp>
+        <p:nvSpPr>
+          <p:cNvPr id="3" name="Текст 2">
+            <a:extLst>
+              <a:ext uri="{FF2B5EF4-FFF2-40B4-BE49-F238E27FC236}">
+                <a16:creationId xmlns:a16="http://schemas.microsoft.com/office/drawing/2014/main" id="{7369AE26-8170-7850-337F-E760F0217BD7}"/>
+              </a:ext>
+            </a:extLst>
+          </p:cNvPr>
+          <p:cNvSpPr>
+            <a:spLocks noGrp="1"/>
+          </p:cNvSpPr>
+          <p:nvPr>
+            <p:ph type="body" idx="1"/>
+          </p:nvPr>
+        </p:nvSpPr>
+        <p:spPr/>
+        <p:txBody>
+          <a:bodyPr/>
+          <a:lstStyle/>
+          <a:p>
+            <a:endParaRPr lang="ru-BY"/>
+          </a:p>
+        </p:txBody>
+      </p:sp>
+      <p:sp>
+        <p:nvSpPr>
+          <p:cNvPr id="4" name="Номер слайда 3">
+            <a:extLst>
+              <a:ext uri="{FF2B5EF4-FFF2-40B4-BE49-F238E27FC236}">
+                <a16:creationId xmlns:a16="http://schemas.microsoft.com/office/drawing/2014/main" id="{857BC5F6-26DB-CC9C-03DF-21F508FD8619}"/>
+              </a:ext>
+            </a:extLst>
+          </p:cNvPr>
+          <p:cNvSpPr>
+            <a:spLocks noGrp="1"/>
+          </p:cNvSpPr>
+          <p:nvPr>
+            <p:ph type="sldNum" idx="12"/>
+          </p:nvPr>
+        </p:nvSpPr>
+        <p:spPr/>
+        <p:txBody>
+          <a:bodyPr/>
+          <a:lstStyle/>
+          <a:p>
+            <a:pPr marL="0" lvl="0" indent="0" algn="r" rtl="0">
+              <a:spcBef>
+                <a:spcPts val="0"/>
+              </a:spcBef>
+              <a:spcAft>
+                <a:spcPts val="0"/>
+              </a:spcAft>
+              <a:buNone/>
+            </a:pPr>
+            <a:fld id="{00000000-1234-1234-1234-123412341234}" type="slidenum">
+              <a:rPr lang="ru-RU" smtClean="0"/>
+              <a:t>4</a:t>
+            </a:fld>
+            <a:endParaRPr lang="ru-RU"/>
+          </a:p>
+        </p:txBody>
+      </p:sp>
+      <p:sp>
+        <p:nvSpPr>
+          <p:cNvPr id="5" name="Google Shape;109;p15">
+            <a:extLst>
+              <a:ext uri="{FF2B5EF4-FFF2-40B4-BE49-F238E27FC236}">
+                <a16:creationId xmlns:a16="http://schemas.microsoft.com/office/drawing/2014/main" id="{A8561E9E-BC2F-5B4F-5138-12DE1376D14F}"/>
+              </a:ext>
+            </a:extLst>
+          </p:cNvPr>
+          <p:cNvSpPr txBox="1">
+            <a:spLocks/>
+          </p:cNvSpPr>
+          <p:nvPr/>
+        </p:nvSpPr>
+        <p:spPr>
+          <a:xfrm>
+            <a:off x="1966645" y="325525"/>
+            <a:ext cx="8475603" cy="612539"/>
+          </a:xfrm>
+          <a:prstGeom prst="rect">
+            <a:avLst/>
+          </a:prstGeom>
+          <a:noFill/>
+          <a:ln>
+            <a:noFill/>
+          </a:ln>
+        </p:spPr>
+        <p:txBody>
+          <a:bodyPr spcFirstLastPara="1" wrap="square" lIns="91425" tIns="45700" rIns="91425" bIns="45700" anchor="ctr" anchorCtr="0">
+            <a:noAutofit/>
+          </a:bodyPr>
+          <a:lstStyle>
+            <a:defPPr marR="0" lvl="0" algn="l" rtl="0">
+              <a:lnSpc>
+                <a:spcPct val="100000"/>
+              </a:lnSpc>
+              <a:spcBef>
+                <a:spcPts val="0"/>
+              </a:spcBef>
+              <a:spcAft>
+                <a:spcPts val="0"/>
+              </a:spcAft>
+            </a:defPPr>
+            <a:lvl1pPr marR="0" lvl="0" algn="l" rtl="0">
+              <a:lnSpc>
+                <a:spcPct val="90000"/>
+              </a:lnSpc>
+              <a:spcBef>
+                <a:spcPts val="0"/>
+              </a:spcBef>
+              <a:spcAft>
+                <a:spcPts val="0"/>
+              </a:spcAft>
+              <a:buClr>
+                <a:schemeClr val="dk1"/>
+              </a:buClr>
+              <a:buSzPts val="1800"/>
+              <a:buFont typeface="Calibri"/>
+              <a:buNone/>
+              <a:defRPr sz="4400" b="0" i="0" u="none" strike="noStrike" cap="none">
+                <a:solidFill>
+                  <a:schemeClr val="dk1"/>
+                </a:solidFill>
+                <a:latin typeface="Calibri"/>
+                <a:ea typeface="Calibri"/>
+                <a:cs typeface="Calibri"/>
+                <a:sym typeface="Calibri"/>
+              </a:defRPr>
+            </a:lvl1pPr>
+            <a:lvl2pPr marR="0" lvl="1" algn="l" rtl="0">
+              <a:lnSpc>
+                <a:spcPct val="100000"/>
+              </a:lnSpc>
+              <a:spcBef>
+                <a:spcPts val="0"/>
+              </a:spcBef>
+              <a:spcAft>
+                <a:spcPts val="0"/>
+              </a:spcAft>
+              <a:buClr>
+                <a:srgbClr val="000000"/>
+              </a:buClr>
+              <a:buSzPts val="1400"/>
+              <a:buFont typeface="Arial"/>
+              <a:buNone/>
+              <a:defRPr sz="1800" b="0" i="0" u="none" strike="noStrike" cap="none">
+                <a:solidFill>
+                  <a:srgbClr val="000000"/>
+                </a:solidFill>
+                <a:latin typeface="Arial"/>
+                <a:ea typeface="Arial"/>
+                <a:cs typeface="Arial"/>
+                <a:sym typeface="Arial"/>
+              </a:defRPr>
+            </a:lvl2pPr>
+            <a:lvl3pPr marR="0" lvl="2" algn="l" rtl="0">
+              <a:lnSpc>
+                <a:spcPct val="100000"/>
+              </a:lnSpc>
+              <a:spcBef>
+                <a:spcPts val="0"/>
+              </a:spcBef>
+              <a:spcAft>
+                <a:spcPts val="0"/>
+              </a:spcAft>
+              <a:buClr>
+                <a:srgbClr val="000000"/>
+              </a:buClr>
+              <a:buSzPts val="1400"/>
+              <a:buFont typeface="Arial"/>
+              <a:buNone/>
+              <a:defRPr sz="1800" b="0" i="0" u="none" strike="noStrike" cap="none">
+                <a:solidFill>
+                  <a:srgbClr val="000000"/>
+                </a:solidFill>
+                <a:latin typeface="Arial"/>
+                <a:ea typeface="Arial"/>
+                <a:cs typeface="Arial"/>
+                <a:sym typeface="Arial"/>
+              </a:defRPr>
+            </a:lvl3pPr>
+            <a:lvl4pPr marR="0" lvl="3" algn="l" rtl="0">
+              <a:lnSpc>
+                <a:spcPct val="100000"/>
+              </a:lnSpc>
+              <a:spcBef>
+                <a:spcPts val="0"/>
+              </a:spcBef>
+              <a:spcAft>
+                <a:spcPts val="0"/>
+              </a:spcAft>
+              <a:buClr>
+                <a:srgbClr val="000000"/>
+              </a:buClr>
+              <a:buSzPts val="1400"/>
+              <a:buFont typeface="Arial"/>
+              <a:buNone/>
+              <a:defRPr sz="1800" b="0" i="0" u="none" strike="noStrike" cap="none">
+                <a:solidFill>
+                  <a:srgbClr val="000000"/>
+                </a:solidFill>
+                <a:latin typeface="Arial"/>
+                <a:ea typeface="Arial"/>
+                <a:cs typeface="Arial"/>
+                <a:sym typeface="Arial"/>
+              </a:defRPr>
+            </a:lvl4pPr>
+            <a:lvl5pPr marR="0" lvl="4" algn="l" rtl="0">
+              <a:lnSpc>
+                <a:spcPct val="100000"/>
+              </a:lnSpc>
+              <a:spcBef>
+                <a:spcPts val="0"/>
+              </a:spcBef>
+              <a:spcAft>
+                <a:spcPts val="0"/>
+              </a:spcAft>
+              <a:buClr>
+                <a:srgbClr val="000000"/>
+              </a:buClr>
+              <a:buSzPts val="1400"/>
+              <a:buFont typeface="Arial"/>
+              <a:buNone/>
+              <a:defRPr sz="1800" b="0" i="0" u="none" strike="noStrike" cap="none">
+                <a:solidFill>
+                  <a:srgbClr val="000000"/>
+                </a:solidFill>
+                <a:latin typeface="Arial"/>
+                <a:ea typeface="Arial"/>
+                <a:cs typeface="Arial"/>
+                <a:sym typeface="Arial"/>
+              </a:defRPr>
+            </a:lvl5pPr>
+            <a:lvl6pPr marR="0" lvl="5" algn="l" rtl="0">
+              <a:lnSpc>
+                <a:spcPct val="100000"/>
+              </a:lnSpc>
+              <a:spcBef>
+                <a:spcPts val="0"/>
+              </a:spcBef>
+              <a:spcAft>
+                <a:spcPts val="0"/>
+              </a:spcAft>
+              <a:buClr>
+                <a:srgbClr val="000000"/>
+              </a:buClr>
+              <a:buSzPts val="1400"/>
+              <a:buFont typeface="Arial"/>
+              <a:buNone/>
+              <a:defRPr sz="1800" b="0" i="0" u="none" strike="noStrike" cap="none">
+                <a:solidFill>
+                  <a:srgbClr val="000000"/>
+                </a:solidFill>
+                <a:latin typeface="Arial"/>
+                <a:ea typeface="Arial"/>
+                <a:cs typeface="Arial"/>
+                <a:sym typeface="Arial"/>
+              </a:defRPr>
+            </a:lvl6pPr>
+            <a:lvl7pPr marR="0" lvl="6" algn="l" rtl="0">
+              <a:lnSpc>
+                <a:spcPct val="100000"/>
+              </a:lnSpc>
+              <a:spcBef>
+                <a:spcPts val="0"/>
+              </a:spcBef>
+              <a:spcAft>
+                <a:spcPts val="0"/>
+              </a:spcAft>
+              <a:buClr>
+                <a:srgbClr val="000000"/>
+              </a:buClr>
+              <a:buSzPts val="1400"/>
+              <a:buFont typeface="Arial"/>
+              <a:buNone/>
+              <a:defRPr sz="1800" b="0" i="0" u="none" strike="noStrike" cap="none">
+                <a:solidFill>
+                  <a:srgbClr val="000000"/>
+                </a:solidFill>
+                <a:latin typeface="Arial"/>
+                <a:ea typeface="Arial"/>
+                <a:cs typeface="Arial"/>
+                <a:sym typeface="Arial"/>
+              </a:defRPr>
+            </a:lvl7pPr>
+            <a:lvl8pPr marR="0" lvl="7" algn="l" rtl="0">
+              <a:lnSpc>
+                <a:spcPct val="100000"/>
+              </a:lnSpc>
+              <a:spcBef>
+                <a:spcPts val="0"/>
+              </a:spcBef>
+              <a:spcAft>
+                <a:spcPts val="0"/>
+              </a:spcAft>
+              <a:buClr>
+                <a:srgbClr val="000000"/>
+              </a:buClr>
+              <a:buSzPts val="1400"/>
+              <a:buFont typeface="Arial"/>
+              <a:buNone/>
+              <a:defRPr sz="1800" b="0" i="0" u="none" strike="noStrike" cap="none">
+                <a:solidFill>
+                  <a:srgbClr val="000000"/>
+                </a:solidFill>
+                <a:latin typeface="Arial"/>
+                <a:ea typeface="Arial"/>
+                <a:cs typeface="Arial"/>
+                <a:sym typeface="Arial"/>
+              </a:defRPr>
+            </a:lvl8pPr>
+            <a:lvl9pPr marR="0" lvl="8" algn="l" rtl="0">
+              <a:lnSpc>
+                <a:spcPct val="100000"/>
+              </a:lnSpc>
+              <a:spcBef>
+                <a:spcPts val="0"/>
+              </a:spcBef>
+              <a:spcAft>
+                <a:spcPts val="0"/>
+              </a:spcAft>
+              <a:buClr>
+                <a:srgbClr val="000000"/>
+              </a:buClr>
+              <a:buSzPts val="1400"/>
+              <a:buFont typeface="Arial"/>
+              <a:buNone/>
+              <a:defRPr sz="1800" b="0" i="0" u="none" strike="noStrike" cap="none">
+                <a:solidFill>
+                  <a:srgbClr val="000000"/>
+                </a:solidFill>
+                <a:latin typeface="Arial"/>
+                <a:ea typeface="Arial"/>
+                <a:cs typeface="Arial"/>
+                <a:sym typeface="Arial"/>
+              </a:defRPr>
+            </a:lvl9pPr>
+          </a:lstStyle>
+          <a:p>
+            <a:pPr>
+              <a:buClr>
+                <a:srgbClr val="0073B6"/>
+              </a:buClr>
+              <a:buSzPts val="4400"/>
+            </a:pPr>
+            <a:r>
+              <a:rPr lang="ru-RU" b="1">
+                <a:solidFill>
+                  <a:srgbClr val="0073B6"/>
+                </a:solidFill>
+              </a:rPr>
+              <a:t>План реализации </a:t>
+            </a:r>
+            <a:endParaRPr lang="ru-RU" dirty="0"/>
+          </a:p>
+        </p:txBody>
+      </p:sp>
+      <p:sp>
+        <p:nvSpPr>
+          <p:cNvPr id="6" name="Google Shape;110;p15">
+            <a:extLst>
+              <a:ext uri="{FF2B5EF4-FFF2-40B4-BE49-F238E27FC236}">
+                <a16:creationId xmlns:a16="http://schemas.microsoft.com/office/drawing/2014/main" id="{5772262E-5471-3959-51A3-13A4BF5E01C6}"/>
+              </a:ext>
+            </a:extLst>
+          </p:cNvPr>
+          <p:cNvSpPr txBox="1">
+            <a:spLocks/>
+          </p:cNvSpPr>
+          <p:nvPr/>
+        </p:nvSpPr>
+        <p:spPr>
+          <a:xfrm>
+            <a:off x="806194" y="1031543"/>
+            <a:ext cx="11197191" cy="5752565"/>
+          </a:xfrm>
+          <a:prstGeom prst="rect">
+            <a:avLst/>
+          </a:prstGeom>
+          <a:noFill/>
+          <a:ln>
+            <a:noFill/>
+          </a:ln>
+        </p:spPr>
+        <p:txBody>
+          <a:bodyPr spcFirstLastPara="1" wrap="square" lIns="91425" tIns="45700" rIns="91425" bIns="45700" anchor="t" anchorCtr="0">
+            <a:normAutofit fontScale="92500"/>
+          </a:bodyPr>
+          <a:lstStyle>
+            <a:defPPr marR="0" lvl="0" algn="l" rtl="0">
+              <a:lnSpc>
+                <a:spcPct val="100000"/>
+              </a:lnSpc>
+              <a:spcBef>
+                <a:spcPts val="0"/>
+              </a:spcBef>
+              <a:spcAft>
+                <a:spcPts val="0"/>
+              </a:spcAft>
+            </a:defPPr>
+            <a:lvl1pPr marL="457200" marR="0" lvl="0" indent="-342900" algn="l" rtl="0">
+              <a:lnSpc>
+                <a:spcPct val="90000"/>
+              </a:lnSpc>
+              <a:spcBef>
+                <a:spcPts val="1000"/>
+              </a:spcBef>
+              <a:spcAft>
+                <a:spcPts val="0"/>
+              </a:spcAft>
+              <a:buClr>
+                <a:schemeClr val="dk1"/>
+              </a:buClr>
+              <a:buSzPts val="1800"/>
+              <a:buFont typeface="Arial"/>
+              <a:buChar char="•"/>
+              <a:defRPr sz="2800" b="0" i="0" u="none" strike="noStrike" cap="none">
+                <a:solidFill>
+                  <a:schemeClr val="dk1"/>
+                </a:solidFill>
+                <a:latin typeface="Calibri"/>
+                <a:ea typeface="Calibri"/>
+                <a:cs typeface="Calibri"/>
+                <a:sym typeface="Calibri"/>
+              </a:defRPr>
+            </a:lvl1pPr>
+            <a:lvl2pPr marL="914400" marR="0" lvl="1" indent="-342900" algn="l" rtl="0">
+              <a:lnSpc>
+                <a:spcPct val="90000"/>
+              </a:lnSpc>
+              <a:spcBef>
+                <a:spcPts val="500"/>
+              </a:spcBef>
+              <a:spcAft>
+                <a:spcPts val="0"/>
+              </a:spcAft>
+              <a:buClr>
+                <a:schemeClr val="dk1"/>
+              </a:buClr>
+              <a:buSzPts val="1800"/>
+              <a:buFont typeface="Arial"/>
+              <a:buChar char="•"/>
+              <a:defRPr sz="2400" b="0" i="0" u="none" strike="noStrike" cap="none">
+                <a:solidFill>
+                  <a:schemeClr val="dk1"/>
+                </a:solidFill>
+                <a:latin typeface="Calibri"/>
+                <a:ea typeface="Calibri"/>
+                <a:cs typeface="Calibri"/>
+                <a:sym typeface="Calibri"/>
+              </a:defRPr>
+            </a:lvl2pPr>
+            <a:lvl3pPr marL="1371600" marR="0" lvl="2" indent="-342900" algn="l" rtl="0">
+              <a:lnSpc>
+                <a:spcPct val="90000"/>
+              </a:lnSpc>
+              <a:spcBef>
+                <a:spcPts val="500"/>
+              </a:spcBef>
+              <a:spcAft>
+                <a:spcPts val="0"/>
+              </a:spcAft>
+              <a:buClr>
+                <a:schemeClr val="dk1"/>
+              </a:buClr>
+              <a:buSzPts val="1800"/>
+              <a:buFont typeface="Arial"/>
+              <a:buChar char="•"/>
+              <a:defRPr sz="2000" b="0" i="0" u="none" strike="noStrike" cap="none">
+                <a:solidFill>
+                  <a:schemeClr val="dk1"/>
+                </a:solidFill>
+                <a:latin typeface="Calibri"/>
+                <a:ea typeface="Calibri"/>
+                <a:cs typeface="Calibri"/>
+                <a:sym typeface="Calibri"/>
+              </a:defRPr>
+            </a:lvl3pPr>
+            <a:lvl4pPr marL="1828800" marR="0" lvl="3" indent="-342900" algn="l" rtl="0">
+              <a:lnSpc>
+                <a:spcPct val="90000"/>
+              </a:lnSpc>
+              <a:spcBef>
+                <a:spcPts val="500"/>
+              </a:spcBef>
+              <a:spcAft>
+                <a:spcPts val="0"/>
+              </a:spcAft>
+              <a:buClr>
+                <a:schemeClr val="dk1"/>
+              </a:buClr>
+              <a:buSzPts val="1800"/>
+              <a:buFont typeface="Arial"/>
+              <a:buChar char="•"/>
+              <a:defRPr sz="1800" b="0" i="0" u="none" strike="noStrike" cap="none">
+                <a:solidFill>
+                  <a:schemeClr val="dk1"/>
+                </a:solidFill>
+                <a:latin typeface="Calibri"/>
+                <a:ea typeface="Calibri"/>
+                <a:cs typeface="Calibri"/>
+                <a:sym typeface="Calibri"/>
+              </a:defRPr>
+            </a:lvl4pPr>
+            <a:lvl5pPr marL="2286000" marR="0" lvl="4" indent="-342900" algn="l" rtl="0">
+              <a:lnSpc>
+                <a:spcPct val="90000"/>
+              </a:lnSpc>
+              <a:spcBef>
+                <a:spcPts val="500"/>
+              </a:spcBef>
+              <a:spcAft>
+                <a:spcPts val="0"/>
+              </a:spcAft>
+              <a:buClr>
+                <a:schemeClr val="dk1"/>
+              </a:buClr>
+              <a:buSzPts val="1800"/>
+              <a:buFont typeface="Arial"/>
+              <a:buChar char="•"/>
+              <a:defRPr sz="1800" b="0" i="0" u="none" strike="noStrike" cap="none">
+                <a:solidFill>
+                  <a:schemeClr val="dk1"/>
+                </a:solidFill>
+                <a:latin typeface="Calibri"/>
+                <a:ea typeface="Calibri"/>
+                <a:cs typeface="Calibri"/>
+                <a:sym typeface="Calibri"/>
+              </a:defRPr>
+            </a:lvl5pPr>
+            <a:lvl6pPr marL="2743200" marR="0" lvl="5" indent="-342900" algn="l" rtl="0">
+              <a:lnSpc>
+                <a:spcPct val="90000"/>
+              </a:lnSpc>
+              <a:spcBef>
+                <a:spcPts val="500"/>
+              </a:spcBef>
+              <a:spcAft>
+                <a:spcPts val="0"/>
+              </a:spcAft>
+              <a:buClr>
+                <a:schemeClr val="dk1"/>
+              </a:buClr>
+              <a:buSzPts val="1800"/>
+              <a:buFont typeface="Arial"/>
+              <a:buChar char="•"/>
+              <a:defRPr sz="1800" b="0" i="0" u="none" strike="noStrike" cap="none">
+                <a:solidFill>
+                  <a:schemeClr val="dk1"/>
+                </a:solidFill>
+                <a:latin typeface="Calibri"/>
+                <a:ea typeface="Calibri"/>
+                <a:cs typeface="Calibri"/>
+                <a:sym typeface="Calibri"/>
+              </a:defRPr>
+            </a:lvl6pPr>
+            <a:lvl7pPr marL="3200400" marR="0" lvl="6" indent="-342900" algn="l" rtl="0">
+              <a:lnSpc>
+                <a:spcPct val="90000"/>
+              </a:lnSpc>
+              <a:spcBef>
+                <a:spcPts val="500"/>
+              </a:spcBef>
+              <a:spcAft>
+                <a:spcPts val="0"/>
+              </a:spcAft>
+              <a:buClr>
+                <a:schemeClr val="dk1"/>
+              </a:buClr>
+              <a:buSzPts val="1800"/>
+              <a:buFont typeface="Arial"/>
+              <a:buChar char="•"/>
+              <a:defRPr sz="1800" b="0" i="0" u="none" strike="noStrike" cap="none">
+                <a:solidFill>
+                  <a:schemeClr val="dk1"/>
+                </a:solidFill>
+                <a:latin typeface="Calibri"/>
+                <a:ea typeface="Calibri"/>
+                <a:cs typeface="Calibri"/>
+                <a:sym typeface="Calibri"/>
+              </a:defRPr>
+            </a:lvl7pPr>
+            <a:lvl8pPr marL="3657600" marR="0" lvl="7" indent="-342900" algn="l" rtl="0">
+              <a:lnSpc>
+                <a:spcPct val="90000"/>
+              </a:lnSpc>
+              <a:spcBef>
+                <a:spcPts val="500"/>
+              </a:spcBef>
+              <a:spcAft>
+                <a:spcPts val="0"/>
+              </a:spcAft>
+              <a:buClr>
+                <a:schemeClr val="dk1"/>
+              </a:buClr>
+              <a:buSzPts val="1800"/>
+              <a:buFont typeface="Arial"/>
+              <a:buChar char="•"/>
+              <a:defRPr sz="1800" b="0" i="0" u="none" strike="noStrike" cap="none">
+                <a:solidFill>
+                  <a:schemeClr val="dk1"/>
+                </a:solidFill>
+                <a:latin typeface="Calibri"/>
+                <a:ea typeface="Calibri"/>
+                <a:cs typeface="Calibri"/>
+                <a:sym typeface="Calibri"/>
+              </a:defRPr>
+            </a:lvl8pPr>
+            <a:lvl9pPr marL="4114800" marR="0" lvl="8" indent="-342900" algn="l" rtl="0">
+              <a:lnSpc>
+                <a:spcPct val="90000"/>
+              </a:lnSpc>
+              <a:spcBef>
+                <a:spcPts val="500"/>
+              </a:spcBef>
+              <a:spcAft>
+                <a:spcPts val="0"/>
+              </a:spcAft>
+              <a:buClr>
+                <a:schemeClr val="dk1"/>
+              </a:buClr>
+              <a:buSzPts val="1800"/>
+              <a:buFont typeface="Arial"/>
+              <a:buChar char="•"/>
+              <a:defRPr sz="1800" b="0" i="0" u="none" strike="noStrike" cap="none">
+                <a:solidFill>
+                  <a:schemeClr val="dk1"/>
+                </a:solidFill>
+                <a:latin typeface="Calibri"/>
+                <a:ea typeface="Calibri"/>
+                <a:cs typeface="Calibri"/>
+                <a:sym typeface="Calibri"/>
+              </a:defRPr>
+            </a:lvl9pPr>
+          </a:lstStyle>
+          <a:p>
+            <a:pPr marL="0" lvl="0" indent="0" algn="l" rtl="0">
+              <a:lnSpc>
+                <a:spcPct val="110000"/>
+              </a:lnSpc>
+              <a:spcBef>
+                <a:spcPts val="0"/>
+              </a:spcBef>
+              <a:spcAft>
+                <a:spcPts val="0"/>
+              </a:spcAft>
+              <a:buClr>
+                <a:schemeClr val="dk1"/>
+              </a:buClr>
+              <a:buSzPct val="100000"/>
+              <a:buNone/>
+            </a:pPr>
+            <a:r>
+              <a:rPr lang="ru-RU" sz="3200" dirty="0"/>
+              <a:t>1. Изучение решений и подходов для автоматизации тестирования</a:t>
+            </a:r>
+          </a:p>
+          <a:p>
+            <a:pPr marL="0" lvl="0" indent="0" algn="l" rtl="0">
+              <a:lnSpc>
+                <a:spcPct val="110000"/>
+              </a:lnSpc>
+              <a:spcBef>
+                <a:spcPts val="0"/>
+              </a:spcBef>
+              <a:spcAft>
+                <a:spcPts val="0"/>
+              </a:spcAft>
+              <a:buClr>
+                <a:schemeClr val="dk1"/>
+              </a:buClr>
+              <a:buSzPct val="100000"/>
+              <a:buNone/>
+            </a:pPr>
+            <a:r>
+              <a:rPr lang="ru-RU" sz="3200" dirty="0"/>
+              <a:t>2. Проектирование сценариев для тестирования пользовательского графического интерфейса</a:t>
+            </a:r>
+          </a:p>
+          <a:p>
+            <a:pPr marL="0" lvl="0" indent="0" algn="l" rtl="0">
+              <a:lnSpc>
+                <a:spcPct val="110000"/>
+              </a:lnSpc>
+              <a:spcBef>
+                <a:spcPts val="0"/>
+              </a:spcBef>
+              <a:spcAft>
+                <a:spcPts val="0"/>
+              </a:spcAft>
+              <a:buClr>
+                <a:schemeClr val="dk1"/>
+              </a:buClr>
+              <a:buSzPct val="100000"/>
+              <a:buNone/>
+            </a:pPr>
+            <a:r>
+              <a:rPr lang="ru-RU" sz="3200" dirty="0"/>
+              <a:t>3. Автоматизация тестовых сценариев</a:t>
+            </a:r>
+          </a:p>
+          <a:p>
+            <a:pPr marL="0" lvl="0" indent="0" algn="l" rtl="0">
+              <a:lnSpc>
+                <a:spcPct val="110000"/>
+              </a:lnSpc>
+              <a:spcBef>
+                <a:spcPts val="0"/>
+              </a:spcBef>
+              <a:spcAft>
+                <a:spcPts val="0"/>
+              </a:spcAft>
+              <a:buClr>
+                <a:schemeClr val="dk1"/>
+              </a:buClr>
+              <a:buSzPct val="100000"/>
+              <a:buNone/>
+            </a:pPr>
+            <a:r>
+              <a:rPr lang="ru-RU" sz="3200" dirty="0"/>
+              <a:t>4. Написание модульных тестов</a:t>
+            </a:r>
+          </a:p>
+          <a:p>
+            <a:pPr marL="0" lvl="0" indent="0" algn="l" rtl="0">
+              <a:lnSpc>
+                <a:spcPct val="110000"/>
+              </a:lnSpc>
+              <a:spcBef>
+                <a:spcPts val="0"/>
+              </a:spcBef>
+              <a:spcAft>
+                <a:spcPts val="0"/>
+              </a:spcAft>
+              <a:buClr>
+                <a:schemeClr val="dk1"/>
+              </a:buClr>
+              <a:buSzPct val="100000"/>
+              <a:buNone/>
+            </a:pPr>
+            <a:r>
+              <a:rPr lang="ru-RU" sz="3200" dirty="0"/>
+              <a:t>5. Разработка программы для проверки работоспособности приложения с формированием отчета</a:t>
+            </a:r>
+          </a:p>
+          <a:p>
+            <a:pPr marL="0" lvl="0" indent="0" algn="l" rtl="0">
+              <a:lnSpc>
+                <a:spcPct val="110000"/>
+              </a:lnSpc>
+              <a:spcBef>
+                <a:spcPts val="0"/>
+              </a:spcBef>
+              <a:spcAft>
+                <a:spcPts val="0"/>
+              </a:spcAft>
+              <a:buClr>
+                <a:schemeClr val="dk1"/>
+              </a:buClr>
+              <a:buSzPct val="100000"/>
+              <a:buNone/>
+            </a:pPr>
+            <a:r>
+              <a:rPr lang="ru-RU" sz="3200" dirty="0"/>
+              <a:t>6. Настройка и развертывание системы автоматизированного тестирования</a:t>
+            </a:r>
+          </a:p>
+          <a:p>
+            <a:pPr marL="0" lvl="0" indent="0" algn="l" rtl="0">
+              <a:lnSpc>
+                <a:spcPct val="110000"/>
+              </a:lnSpc>
+              <a:spcBef>
+                <a:spcPts val="0"/>
+              </a:spcBef>
+              <a:spcAft>
+                <a:spcPts val="0"/>
+              </a:spcAft>
+              <a:buClr>
+                <a:schemeClr val="dk1"/>
+              </a:buClr>
+              <a:buSzPct val="100000"/>
+              <a:buNone/>
+            </a:pPr>
+            <a:r>
+              <a:rPr lang="ru-RU" sz="3200" dirty="0"/>
+              <a:t>7.  Применение системы автоматизированного тестирования для тестирования веб-приложения</a:t>
+            </a:r>
+          </a:p>
+          <a:p>
+            <a:pPr marL="0" indent="0">
+              <a:lnSpc>
+                <a:spcPct val="110000"/>
+              </a:lnSpc>
+              <a:spcBef>
+                <a:spcPts val="0"/>
+              </a:spcBef>
+              <a:buSzPct val="100000"/>
+              <a:buFont typeface="Arial"/>
+              <a:buNone/>
+            </a:pPr>
+            <a:endParaRPr lang="ru-RU" sz="3600" dirty="0"/>
+          </a:p>
+        </p:txBody>
+      </p:sp>
+      <p:grpSp>
+        <p:nvGrpSpPr>
+          <p:cNvPr id="7" name="Google Shape;111;p15">
+            <a:extLst>
+              <a:ext uri="{FF2B5EF4-FFF2-40B4-BE49-F238E27FC236}">
+                <a16:creationId xmlns:a16="http://schemas.microsoft.com/office/drawing/2014/main" id="{0337966E-0935-9184-83BC-FB9B051C2FDA}"/>
+              </a:ext>
+            </a:extLst>
+          </p:cNvPr>
+          <p:cNvGrpSpPr/>
+          <p:nvPr/>
+        </p:nvGrpSpPr>
+        <p:grpSpPr>
+          <a:xfrm>
+            <a:off x="806195" y="368659"/>
+            <a:ext cx="10918788" cy="561962"/>
+            <a:chOff x="653795" y="216259"/>
+            <a:chExt cx="10918788" cy="561962"/>
+          </a:xfrm>
+        </p:grpSpPr>
+        <p:pic>
+          <p:nvPicPr>
+            <p:cNvPr id="8" name="Google Shape;112;p15">
+              <a:extLst>
+                <a:ext uri="{FF2B5EF4-FFF2-40B4-BE49-F238E27FC236}">
+                  <a16:creationId xmlns:a16="http://schemas.microsoft.com/office/drawing/2014/main" id="{77BB4408-CE23-41D4-1793-3467BF8915BA}"/>
+                </a:ext>
+              </a:extLst>
+            </p:cNvPr>
+            <p:cNvPicPr preferRelativeResize="0"/>
+            <p:nvPr/>
+          </p:nvPicPr>
+          <p:blipFill rotWithShape="1">
+            <a:blip r:embed="rId2">
+              <a:alphaModFix/>
+            </a:blip>
+            <a:srcRect/>
+            <a:stretch/>
+          </p:blipFill>
+          <p:spPr>
+            <a:xfrm>
+              <a:off x="10289848" y="216259"/>
+              <a:ext cx="1282735" cy="446617"/>
+            </a:xfrm>
+            <a:prstGeom prst="rect">
+              <a:avLst/>
+            </a:prstGeom>
+            <a:noFill/>
+            <a:ln>
+              <a:noFill/>
+            </a:ln>
+          </p:spPr>
+        </p:pic>
+        <p:sp>
+          <p:nvSpPr>
+            <p:cNvPr id="9" name="Google Shape;113;p15">
+              <a:extLst>
+                <a:ext uri="{FF2B5EF4-FFF2-40B4-BE49-F238E27FC236}">
+                  <a16:creationId xmlns:a16="http://schemas.microsoft.com/office/drawing/2014/main" id="{30D605E2-AECF-B295-ADF7-B921A00ABDBB}"/>
+                </a:ext>
+              </a:extLst>
+            </p:cNvPr>
+            <p:cNvSpPr/>
+            <p:nvPr/>
+          </p:nvSpPr>
+          <p:spPr>
+            <a:xfrm>
+              <a:off x="986118" y="756621"/>
+              <a:ext cx="10586465" cy="21600"/>
+            </a:xfrm>
+            <a:prstGeom prst="rect">
+              <a:avLst/>
+            </a:prstGeom>
+            <a:solidFill>
+              <a:srgbClr val="0070C0"/>
+            </a:solidFill>
+            <a:ln>
+              <a:noFill/>
+            </a:ln>
+          </p:spPr>
+          <p:txBody>
+            <a:bodyPr spcFirstLastPara="1" wrap="square" lIns="91425" tIns="45700" rIns="91425" bIns="45700" anchor="ctr" anchorCtr="0">
+              <a:noAutofit/>
+            </a:bodyPr>
+            <a:lstStyle/>
+            <a:p>
+              <a:pPr marL="0" marR="0" lvl="0" indent="0" algn="ctr" rtl="0">
+                <a:spcBef>
+                  <a:spcPts val="0"/>
+                </a:spcBef>
+                <a:spcAft>
+                  <a:spcPts val="0"/>
+                </a:spcAft>
+                <a:buNone/>
+              </a:pPr>
+              <a:endParaRPr sz="1800">
+                <a:solidFill>
+                  <a:srgbClr val="7030A0"/>
+                </a:solidFill>
+                <a:latin typeface="Calibri"/>
+                <a:ea typeface="Calibri"/>
+                <a:cs typeface="Calibri"/>
+                <a:sym typeface="Calibri"/>
+              </a:endParaRPr>
+            </a:p>
+          </p:txBody>
+        </p:sp>
+        <p:pic>
+          <p:nvPicPr>
+            <p:cNvPr id="10" name="Google Shape;114;p15">
+              <a:extLst>
+                <a:ext uri="{FF2B5EF4-FFF2-40B4-BE49-F238E27FC236}">
+                  <a16:creationId xmlns:a16="http://schemas.microsoft.com/office/drawing/2014/main" id="{573B628F-F3FE-89B2-C356-7BC3DDFF9E93}"/>
+                </a:ext>
+              </a:extLst>
+            </p:cNvPr>
+            <p:cNvPicPr preferRelativeResize="0"/>
+            <p:nvPr/>
+          </p:nvPicPr>
+          <p:blipFill rotWithShape="1">
+            <a:blip r:embed="rId3">
+              <a:alphaModFix/>
+            </a:blip>
+            <a:srcRect/>
+            <a:stretch/>
+          </p:blipFill>
+          <p:spPr>
+            <a:xfrm>
+              <a:off x="653795" y="228173"/>
+              <a:ext cx="917722" cy="434968"/>
+            </a:xfrm>
+            <a:prstGeom prst="rect">
+              <a:avLst/>
+            </a:prstGeom>
+            <a:noFill/>
+            <a:ln>
+              <a:noFill/>
+            </a:ln>
+          </p:spPr>
+        </p:pic>
+      </p:grpSp>
+      <p:sp>
+        <p:nvSpPr>
+          <p:cNvPr id="11" name="Google Shape;115;p15">
+            <a:extLst>
+              <a:ext uri="{FF2B5EF4-FFF2-40B4-BE49-F238E27FC236}">
+                <a16:creationId xmlns:a16="http://schemas.microsoft.com/office/drawing/2014/main" id="{5F3CCAA4-1D9F-2E54-114C-8149A5D5CEE7}"/>
+              </a:ext>
+            </a:extLst>
+          </p:cNvPr>
+          <p:cNvSpPr txBox="1">
+            <a:spLocks/>
+          </p:cNvSpPr>
+          <p:nvPr/>
+        </p:nvSpPr>
+        <p:spPr>
+          <a:xfrm>
+            <a:off x="8763000" y="6508750"/>
+            <a:ext cx="2743200" cy="365125"/>
+          </a:xfrm>
+          <a:prstGeom prst="rect">
+            <a:avLst/>
+          </a:prstGeom>
+          <a:noFill/>
+          <a:ln>
+            <a:noFill/>
+          </a:ln>
+        </p:spPr>
+        <p:txBody>
+          <a:bodyPr spcFirstLastPara="1" wrap="square" lIns="91425" tIns="45700" rIns="91425" bIns="45700" anchor="ctr" anchorCtr="0">
+            <a:noAutofit/>
+          </a:bodyPr>
+          <a:lstStyle>
+            <a:defPPr marR="0" lvl="0" algn="l" rtl="0">
+              <a:lnSpc>
+                <a:spcPct val="100000"/>
+              </a:lnSpc>
+              <a:spcBef>
+                <a:spcPts val="0"/>
+              </a:spcBef>
+              <a:spcAft>
+                <a:spcPts val="0"/>
+              </a:spcAft>
+            </a:defPPr>
+            <a:lvl1pPr marL="0" marR="0" lvl="0" indent="0" algn="r" rtl="0">
+              <a:lnSpc>
+                <a:spcPct val="100000"/>
+              </a:lnSpc>
+              <a:spcBef>
+                <a:spcPts val="0"/>
+              </a:spcBef>
+              <a:spcAft>
+                <a:spcPts val="0"/>
+              </a:spcAft>
+              <a:buClr>
+                <a:srgbClr val="000000"/>
+              </a:buClr>
+              <a:buFont typeface="Arial"/>
+              <a:buNone/>
+              <a:defRPr sz="1200" b="0" i="0" u="none" strike="noStrike" cap="none">
+                <a:solidFill>
+                  <a:srgbClr val="888888"/>
+                </a:solidFill>
+                <a:latin typeface="Calibri"/>
+                <a:ea typeface="Calibri"/>
+                <a:cs typeface="Calibri"/>
+                <a:sym typeface="Calibri"/>
+              </a:defRPr>
+            </a:lvl1pPr>
+            <a:lvl2pPr marL="0" marR="0" lvl="1" indent="0" algn="r" rtl="0">
+              <a:lnSpc>
+                <a:spcPct val="100000"/>
+              </a:lnSpc>
+              <a:spcBef>
+                <a:spcPts val="0"/>
+              </a:spcBef>
+              <a:spcAft>
+                <a:spcPts val="0"/>
+              </a:spcAft>
+              <a:buClr>
+                <a:srgbClr val="000000"/>
+              </a:buClr>
+              <a:buFont typeface="Arial"/>
+              <a:buNone/>
+              <a:defRPr sz="1200" b="0" i="0" u="none" strike="noStrike" cap="none">
+                <a:solidFill>
+                  <a:srgbClr val="888888"/>
+                </a:solidFill>
+                <a:latin typeface="Calibri"/>
+                <a:ea typeface="Calibri"/>
+                <a:cs typeface="Calibri"/>
+                <a:sym typeface="Calibri"/>
+              </a:defRPr>
+            </a:lvl2pPr>
+            <a:lvl3pPr marL="0" marR="0" lvl="2" indent="0" algn="r" rtl="0">
+              <a:lnSpc>
+                <a:spcPct val="100000"/>
+              </a:lnSpc>
+              <a:spcBef>
+                <a:spcPts val="0"/>
+              </a:spcBef>
+              <a:spcAft>
+                <a:spcPts val="0"/>
+              </a:spcAft>
+              <a:buClr>
+                <a:srgbClr val="000000"/>
+              </a:buClr>
+              <a:buFont typeface="Arial"/>
+              <a:buNone/>
+              <a:defRPr sz="1200" b="0" i="0" u="none" strike="noStrike" cap="none">
+                <a:solidFill>
+                  <a:srgbClr val="888888"/>
+                </a:solidFill>
+                <a:latin typeface="Calibri"/>
+                <a:ea typeface="Calibri"/>
+                <a:cs typeface="Calibri"/>
+                <a:sym typeface="Calibri"/>
+              </a:defRPr>
+            </a:lvl3pPr>
+            <a:lvl4pPr marL="0" marR="0" lvl="3" indent="0" algn="r" rtl="0">
+              <a:lnSpc>
+                <a:spcPct val="100000"/>
+              </a:lnSpc>
+              <a:spcBef>
+                <a:spcPts val="0"/>
+              </a:spcBef>
+              <a:spcAft>
+                <a:spcPts val="0"/>
+              </a:spcAft>
+              <a:buClr>
+                <a:srgbClr val="000000"/>
+              </a:buClr>
+              <a:buFont typeface="Arial"/>
+              <a:buNone/>
+              <a:defRPr sz="1200" b="0" i="0" u="none" strike="noStrike" cap="none">
+                <a:solidFill>
+                  <a:srgbClr val="888888"/>
+                </a:solidFill>
+                <a:latin typeface="Calibri"/>
+                <a:ea typeface="Calibri"/>
+                <a:cs typeface="Calibri"/>
+                <a:sym typeface="Calibri"/>
+              </a:defRPr>
+            </a:lvl4pPr>
+            <a:lvl5pPr marL="0" marR="0" lvl="4" indent="0" algn="r" rtl="0">
+              <a:lnSpc>
+                <a:spcPct val="100000"/>
+              </a:lnSpc>
+              <a:spcBef>
+                <a:spcPts val="0"/>
+              </a:spcBef>
+              <a:spcAft>
+                <a:spcPts val="0"/>
+              </a:spcAft>
+              <a:buClr>
+                <a:srgbClr val="000000"/>
+              </a:buClr>
+              <a:buFont typeface="Arial"/>
+              <a:buNone/>
+              <a:defRPr sz="1200" b="0" i="0" u="none" strike="noStrike" cap="none">
+                <a:solidFill>
+                  <a:srgbClr val="888888"/>
+                </a:solidFill>
+                <a:latin typeface="Calibri"/>
+                <a:ea typeface="Calibri"/>
+                <a:cs typeface="Calibri"/>
+                <a:sym typeface="Calibri"/>
+              </a:defRPr>
+            </a:lvl5pPr>
+            <a:lvl6pPr marL="0" marR="0" lvl="5" indent="0" algn="r" rtl="0">
+              <a:lnSpc>
+                <a:spcPct val="100000"/>
+              </a:lnSpc>
+              <a:spcBef>
+                <a:spcPts val="0"/>
+              </a:spcBef>
+              <a:spcAft>
+                <a:spcPts val="0"/>
+              </a:spcAft>
+              <a:buClr>
+                <a:srgbClr val="000000"/>
+              </a:buClr>
+              <a:buFont typeface="Arial"/>
+              <a:buNone/>
+              <a:defRPr sz="1200" b="0" i="0" u="none" strike="noStrike" cap="none">
+                <a:solidFill>
+                  <a:srgbClr val="888888"/>
+                </a:solidFill>
+                <a:latin typeface="Calibri"/>
+                <a:ea typeface="Calibri"/>
+                <a:cs typeface="Calibri"/>
+                <a:sym typeface="Calibri"/>
+              </a:defRPr>
+            </a:lvl6pPr>
+            <a:lvl7pPr marL="0" marR="0" lvl="6" indent="0" algn="r" rtl="0">
+              <a:lnSpc>
+                <a:spcPct val="100000"/>
+              </a:lnSpc>
+              <a:spcBef>
+                <a:spcPts val="0"/>
+              </a:spcBef>
+              <a:spcAft>
+                <a:spcPts val="0"/>
+              </a:spcAft>
+              <a:buClr>
+                <a:srgbClr val="000000"/>
+              </a:buClr>
+              <a:buFont typeface="Arial"/>
+              <a:buNone/>
+              <a:defRPr sz="1200" b="0" i="0" u="none" strike="noStrike" cap="none">
+                <a:solidFill>
+                  <a:srgbClr val="888888"/>
+                </a:solidFill>
+                <a:latin typeface="Calibri"/>
+                <a:ea typeface="Calibri"/>
+                <a:cs typeface="Calibri"/>
+                <a:sym typeface="Calibri"/>
+              </a:defRPr>
+            </a:lvl7pPr>
+            <a:lvl8pPr marL="0" marR="0" lvl="7" indent="0" algn="r" rtl="0">
+              <a:lnSpc>
+                <a:spcPct val="100000"/>
+              </a:lnSpc>
+              <a:spcBef>
+                <a:spcPts val="0"/>
+              </a:spcBef>
+              <a:spcAft>
+                <a:spcPts val="0"/>
+              </a:spcAft>
+              <a:buClr>
+                <a:srgbClr val="000000"/>
+              </a:buClr>
+              <a:buFont typeface="Arial"/>
+              <a:buNone/>
+              <a:defRPr sz="1200" b="0" i="0" u="none" strike="noStrike" cap="none">
+                <a:solidFill>
+                  <a:srgbClr val="888888"/>
+                </a:solidFill>
+                <a:latin typeface="Calibri"/>
+                <a:ea typeface="Calibri"/>
+                <a:cs typeface="Calibri"/>
+                <a:sym typeface="Calibri"/>
+              </a:defRPr>
+            </a:lvl8pPr>
+            <a:lvl9pPr marL="0" marR="0" lvl="8" indent="0" algn="r" rtl="0">
+              <a:lnSpc>
+                <a:spcPct val="100000"/>
+              </a:lnSpc>
+              <a:spcBef>
+                <a:spcPts val="0"/>
+              </a:spcBef>
+              <a:spcAft>
+                <a:spcPts val="0"/>
+              </a:spcAft>
+              <a:buClr>
+                <a:srgbClr val="000000"/>
+              </a:buClr>
+              <a:buFont typeface="Arial"/>
+              <a:buNone/>
+              <a:defRPr sz="1200" b="0" i="0" u="none" strike="noStrike" cap="none">
+                <a:solidFill>
+                  <a:srgbClr val="888888"/>
+                </a:solidFill>
+                <a:latin typeface="Calibri"/>
+                <a:ea typeface="Calibri"/>
+                <a:cs typeface="Calibri"/>
+                <a:sym typeface="Calibri"/>
+              </a:defRPr>
+            </a:lvl9pPr>
+          </a:lstStyle>
+          <a:p>
+            <a:fld id="{00000000-1234-1234-1234-123412341234}" type="slidenum">
+              <a:rPr lang="ru-RU" smtClean="0"/>
+              <a:pPr/>
+              <a:t>4</a:t>
+            </a:fld>
+            <a:endParaRPr lang="ru-RU"/>
+          </a:p>
+        </p:txBody>
+      </p:sp>
+    </p:spTree>
+    <p:extLst>
+      <p:ext uri="{BB962C8B-B14F-4D97-AF65-F5344CB8AC3E}">
+        <p14:creationId xmlns:p14="http://schemas.microsoft.com/office/powerpoint/2010/main" val="3666800190"/>
+      </p:ext>
+    </p:extLst>
+  </p:cSld>
+  <p:clrMapOvr>
+    <a:masterClrMapping/>
+  </p:clrMapOvr>
+</p:sld>
+</file>
+
+<file path=ppt/slides/slide5.xml><?xml version="1.0" encoding="utf-8"?>
+<p:sld xmlns:a="http://schemas.openxmlformats.org/drawingml/2006/main" xmlns:r="http://schemas.openxmlformats.org/officeDocument/2006/relationships" xmlns:p="http://schemas.openxmlformats.org/presentationml/2006/main">
+  <p:cSld>
+    <p:spTree>
+      <p:nvGrpSpPr>
         <p:cNvPr id="1" name="Shape 153"/>
         <p:cNvGrpSpPr/>
         <p:nvPr/>
@@ -14555,7 +16565,7 @@
             </a:pPr>
             <a:fld id="{00000000-1234-1234-1234-123412341234}" type="slidenum">
               <a:rPr lang="ru-RU"/>
-              <a:t>4</a:t>
+              <a:t>5</a:t>
             </a:fld>
             <a:endParaRPr/>
           </a:p>
@@ -14867,7 +16877,7 @@
 </p:sld>
 </file>
 
-<file path=ppt/slides/slide5.xml><?xml version="1.0" encoding="utf-8"?>
+<file path=ppt/slides/slide6.xml><?xml version="1.0" encoding="utf-8"?>
 <p:sld xmlns:a="http://schemas.openxmlformats.org/drawingml/2006/main" xmlns:r="http://schemas.openxmlformats.org/officeDocument/2006/relationships" xmlns:p="http://schemas.openxmlformats.org/presentationml/2006/main">
   <p:cSld>
     <p:spTree>
@@ -15141,7 +17151,7 @@
             </a:pPr>
             <a:fld id="{00000000-1234-1234-1234-123412341234}" type="slidenum">
               <a:rPr lang="ru-RU"/>
-              <a:t>5</a:t>
+              <a:t>6</a:t>
             </a:fld>
             <a:endParaRPr/>
           </a:p>
@@ -16683,7 +18693,7 @@
 </p:sld>
 </file>
 
-<file path=ppt/slides/slide6.xml><?xml version="1.0" encoding="utf-8"?>
+<file path=ppt/slides/slide7.xml><?xml version="1.0" encoding="utf-8"?>
 <p:sld xmlns:a="http://schemas.openxmlformats.org/drawingml/2006/main" xmlns:r="http://schemas.openxmlformats.org/officeDocument/2006/relationships" xmlns:p="http://schemas.openxmlformats.org/presentationml/2006/main">
   <p:cSld>
     <p:spTree>
@@ -16957,7 +18967,7 @@
             </a:pPr>
             <a:fld id="{00000000-1234-1234-1234-123412341234}" type="slidenum">
               <a:rPr lang="ru-RU"/>
-              <a:t>6</a:t>
+              <a:t>7</a:t>
             </a:fld>
             <a:endParaRPr/>
           </a:p>
@@ -17361,7 +19371,7 @@
 </p:sld>
 </file>
 
-<file path=ppt/slides/slide7.xml><?xml version="1.0" encoding="utf-8"?>
+<file path=ppt/slides/slide8.xml><?xml version="1.0" encoding="utf-8"?>
 <p:sld xmlns:a="http://schemas.openxmlformats.org/drawingml/2006/main" xmlns:r="http://schemas.openxmlformats.org/officeDocument/2006/relationships" xmlns:p="http://schemas.openxmlformats.org/presentationml/2006/main">
   <p:cSld>
     <p:spTree>
@@ -17635,7 +19645,7 @@
             </a:pPr>
             <a:fld id="{00000000-1234-1234-1234-123412341234}" type="slidenum">
               <a:rPr lang="ru-RU"/>
-              <a:t>7</a:t>
+              <a:t>8</a:t>
             </a:fld>
             <a:endParaRPr/>
           </a:p>
@@ -17954,7 +19964,7 @@
 </p:sld>
 </file>
 
-<file path=ppt/slides/slide8.xml><?xml version="1.0" encoding="utf-8"?>
+<file path=ppt/slides/slide9.xml><?xml version="1.0" encoding="utf-8"?>
 <p:sld xmlns:a="http://schemas.openxmlformats.org/drawingml/2006/main" xmlns:r="http://schemas.openxmlformats.org/officeDocument/2006/relationships" xmlns:p="http://schemas.openxmlformats.org/presentationml/2006/main">
   <p:cSld>
     <p:spTree>
@@ -18235,7 +20245,7 @@
             </a:pPr>
             <a:fld id="{00000000-1234-1234-1234-123412341234}" type="slidenum">
               <a:rPr lang="ru-RU"/>
-              <a:t>8</a:t>
+              <a:t>9</a:t>
             </a:fld>
             <a:endParaRPr/>
           </a:p>
@@ -18440,732 +20450,6 @@
     <p:extLst>
       <p:ext uri="{BB962C8B-B14F-4D97-AF65-F5344CB8AC3E}">
         <p14:creationId xmlns:p14="http://schemas.microsoft.com/office/powerpoint/2010/main" val="2562022548"/>
-      </p:ext>
-    </p:extLst>
-  </p:cSld>
-  <p:clrMapOvr>
-    <a:masterClrMapping/>
-  </p:clrMapOvr>
-</p:sld>
-</file>
-
-<file path=ppt/slides/slide9.xml><?xml version="1.0" encoding="utf-8"?>
-<p:sld xmlns:a="http://schemas.openxmlformats.org/drawingml/2006/main" xmlns:r="http://schemas.openxmlformats.org/officeDocument/2006/relationships" xmlns:p="http://schemas.openxmlformats.org/presentationml/2006/main">
-  <p:cSld>
-    <p:spTree>
-      <p:nvGrpSpPr>
-        <p:cNvPr id="1" name="Shape 153">
-          <a:extLst>
-            <a:ext uri="{FF2B5EF4-FFF2-40B4-BE49-F238E27FC236}">
-              <a16:creationId xmlns:a16="http://schemas.microsoft.com/office/drawing/2014/main" id="{9655AF69-7A56-6E58-F417-32874196BA6B}"/>
-            </a:ext>
-          </a:extLst>
-        </p:cNvPr>
-        <p:cNvGrpSpPr/>
-        <p:nvPr/>
-      </p:nvGrpSpPr>
-      <p:grpSpPr>
-        <a:xfrm>
-          <a:off x="0" y="0"/>
-          <a:ext cx="0" cy="0"/>
-          <a:chOff x="0" y="0"/>
-          <a:chExt cx="0" cy="0"/>
-        </a:xfrm>
-      </p:grpSpPr>
-      <p:sp>
-        <p:nvSpPr>
-          <p:cNvPr id="154" name="Google Shape;154;p19">
-            <a:extLst>
-              <a:ext uri="{FF2B5EF4-FFF2-40B4-BE49-F238E27FC236}">
-                <a16:creationId xmlns:a16="http://schemas.microsoft.com/office/drawing/2014/main" id="{DD577FE4-13A7-38AD-81C9-ACF88AF3CC59}"/>
-              </a:ext>
-            </a:extLst>
-          </p:cNvPr>
-          <p:cNvSpPr txBox="1">
-            <a:spLocks noGrp="1"/>
-          </p:cNvSpPr>
-          <p:nvPr>
-            <p:ph type="title"/>
-          </p:nvPr>
-        </p:nvSpPr>
-        <p:spPr>
-          <a:xfrm>
-            <a:off x="1767155" y="78381"/>
-            <a:ext cx="8522693" cy="769811"/>
-          </a:xfrm>
-          <a:prstGeom prst="rect">
-            <a:avLst/>
-          </a:prstGeom>
-          <a:noFill/>
-          <a:ln>
-            <a:noFill/>
-          </a:ln>
-        </p:spPr>
-        <p:txBody>
-          <a:bodyPr spcFirstLastPara="1" wrap="square" lIns="91425" tIns="45700" rIns="91425" bIns="45700" anchor="b" anchorCtr="0">
-            <a:normAutofit/>
-          </a:bodyPr>
-          <a:lstStyle/>
-          <a:p>
-            <a:pPr marL="0" lvl="0" indent="0" algn="l" rtl="0">
-              <a:lnSpc>
-                <a:spcPct val="90000"/>
-              </a:lnSpc>
-              <a:spcBef>
-                <a:spcPts val="0"/>
-              </a:spcBef>
-              <a:spcAft>
-                <a:spcPts val="0"/>
-              </a:spcAft>
-              <a:buClr>
-                <a:srgbClr val="0073B6"/>
-              </a:buClr>
-              <a:buSzPts val="4400"/>
-              <a:buFont typeface="Calibri"/>
-              <a:buNone/>
-            </a:pPr>
-            <a:r>
-              <a:rPr lang="ru-BY" b="1" dirty="0">
-                <a:solidFill>
-                  <a:srgbClr val="0073B6"/>
-                </a:solidFill>
-              </a:rPr>
-              <a:t>Планы на будущее	</a:t>
-            </a:r>
-            <a:endParaRPr dirty="0"/>
-          </a:p>
-        </p:txBody>
-      </p:sp>
-      <p:grpSp>
-        <p:nvGrpSpPr>
-          <p:cNvPr id="156" name="Google Shape;156;p19">
-            <a:extLst>
-              <a:ext uri="{FF2B5EF4-FFF2-40B4-BE49-F238E27FC236}">
-                <a16:creationId xmlns:a16="http://schemas.microsoft.com/office/drawing/2014/main" id="{CAB90777-9FAF-8944-EA7E-2D15DFE57269}"/>
-              </a:ext>
-            </a:extLst>
-          </p:cNvPr>
-          <p:cNvGrpSpPr/>
-          <p:nvPr/>
-        </p:nvGrpSpPr>
-        <p:grpSpPr>
-          <a:xfrm>
-            <a:off x="653795" y="216259"/>
-            <a:ext cx="10918788" cy="561962"/>
-            <a:chOff x="653795" y="216259"/>
-            <a:chExt cx="10918788" cy="561962"/>
-          </a:xfrm>
-        </p:grpSpPr>
-        <p:pic>
-          <p:nvPicPr>
-            <p:cNvPr id="157" name="Google Shape;157;p19">
-              <a:extLst>
-                <a:ext uri="{FF2B5EF4-FFF2-40B4-BE49-F238E27FC236}">
-                  <a16:creationId xmlns:a16="http://schemas.microsoft.com/office/drawing/2014/main" id="{A691309B-E17C-61CB-5054-46483EFA609D}"/>
-                </a:ext>
-              </a:extLst>
-            </p:cNvPr>
-            <p:cNvPicPr preferRelativeResize="0"/>
-            <p:nvPr/>
-          </p:nvPicPr>
-          <p:blipFill rotWithShape="1">
-            <a:blip r:embed="rId3">
-              <a:alphaModFix/>
-            </a:blip>
-            <a:srcRect/>
-            <a:stretch/>
-          </p:blipFill>
-          <p:spPr>
-            <a:xfrm>
-              <a:off x="10289848" y="216259"/>
-              <a:ext cx="1282735" cy="446617"/>
-            </a:xfrm>
-            <a:prstGeom prst="rect">
-              <a:avLst/>
-            </a:prstGeom>
-            <a:noFill/>
-            <a:ln>
-              <a:noFill/>
-            </a:ln>
-          </p:spPr>
-        </p:pic>
-        <p:sp>
-          <p:nvSpPr>
-            <p:cNvPr id="158" name="Google Shape;158;p19">
-              <a:extLst>
-                <a:ext uri="{FF2B5EF4-FFF2-40B4-BE49-F238E27FC236}">
-                  <a16:creationId xmlns:a16="http://schemas.microsoft.com/office/drawing/2014/main" id="{F38564D1-9AF6-4577-0ABE-FA719BF32857}"/>
-                </a:ext>
-              </a:extLst>
-            </p:cNvPr>
-            <p:cNvSpPr/>
-            <p:nvPr/>
-          </p:nvSpPr>
-          <p:spPr>
-            <a:xfrm>
-              <a:off x="986118" y="756621"/>
-              <a:ext cx="10586465" cy="21600"/>
-            </a:xfrm>
-            <a:prstGeom prst="rect">
-              <a:avLst/>
-            </a:prstGeom>
-            <a:solidFill>
-              <a:srgbClr val="0070C0"/>
-            </a:solidFill>
-            <a:ln>
-              <a:noFill/>
-            </a:ln>
-          </p:spPr>
-          <p:txBody>
-            <a:bodyPr spcFirstLastPara="1" wrap="square" lIns="91425" tIns="45700" rIns="91425" bIns="45700" anchor="ctr" anchorCtr="0">
-              <a:noAutofit/>
-            </a:bodyPr>
-            <a:lstStyle/>
-            <a:p>
-              <a:pPr marL="0" marR="0" lvl="0" indent="0" algn="ctr" rtl="0">
-                <a:spcBef>
-                  <a:spcPts val="0"/>
-                </a:spcBef>
-                <a:spcAft>
-                  <a:spcPts val="0"/>
-                </a:spcAft>
-                <a:buNone/>
-              </a:pPr>
-              <a:endParaRPr sz="1800">
-                <a:solidFill>
-                  <a:srgbClr val="7030A0"/>
-                </a:solidFill>
-                <a:latin typeface="Calibri"/>
-                <a:ea typeface="Calibri"/>
-                <a:cs typeface="Calibri"/>
-                <a:sym typeface="Calibri"/>
-              </a:endParaRPr>
-            </a:p>
-          </p:txBody>
-        </p:sp>
-        <p:pic>
-          <p:nvPicPr>
-            <p:cNvPr id="159" name="Google Shape;159;p19">
-              <a:extLst>
-                <a:ext uri="{FF2B5EF4-FFF2-40B4-BE49-F238E27FC236}">
-                  <a16:creationId xmlns:a16="http://schemas.microsoft.com/office/drawing/2014/main" id="{5C971E1E-0831-2FD3-6840-67E5952042DA}"/>
-                </a:ext>
-              </a:extLst>
-            </p:cNvPr>
-            <p:cNvPicPr preferRelativeResize="0"/>
-            <p:nvPr/>
-          </p:nvPicPr>
-          <p:blipFill rotWithShape="1">
-            <a:blip r:embed="rId4">
-              <a:alphaModFix/>
-            </a:blip>
-            <a:srcRect/>
-            <a:stretch/>
-          </p:blipFill>
-          <p:spPr>
-            <a:xfrm>
-              <a:off x="653795" y="228173"/>
-              <a:ext cx="917722" cy="434968"/>
-            </a:xfrm>
-            <a:prstGeom prst="rect">
-              <a:avLst/>
-            </a:prstGeom>
-            <a:noFill/>
-            <a:ln>
-              <a:noFill/>
-            </a:ln>
-          </p:spPr>
-        </p:pic>
-      </p:grpSp>
-      <p:sp>
-        <p:nvSpPr>
-          <p:cNvPr id="160" name="Google Shape;160;p19">
-            <a:extLst>
-              <a:ext uri="{FF2B5EF4-FFF2-40B4-BE49-F238E27FC236}">
-                <a16:creationId xmlns:a16="http://schemas.microsoft.com/office/drawing/2014/main" id="{E971763C-EC43-1221-221A-4BD0974CE564}"/>
-              </a:ext>
-            </a:extLst>
-          </p:cNvPr>
-          <p:cNvSpPr txBox="1">
-            <a:spLocks noGrp="1"/>
-          </p:cNvSpPr>
-          <p:nvPr>
-            <p:ph type="sldNum" idx="12"/>
-          </p:nvPr>
-        </p:nvSpPr>
-        <p:spPr>
-          <a:xfrm>
-            <a:off x="8610600" y="6356350"/>
-            <a:ext cx="2743200" cy="365125"/>
-          </a:xfrm>
-          <a:prstGeom prst="rect">
-            <a:avLst/>
-          </a:prstGeom>
-          <a:noFill/>
-          <a:ln>
-            <a:noFill/>
-          </a:ln>
-        </p:spPr>
-        <p:txBody>
-          <a:bodyPr spcFirstLastPara="1" wrap="square" lIns="91425" tIns="45700" rIns="91425" bIns="45700" anchor="ctr" anchorCtr="0">
-            <a:noAutofit/>
-          </a:bodyPr>
-          <a:lstStyle/>
-          <a:p>
-            <a:pPr marL="0" lvl="0" indent="0" algn="r" rtl="0">
-              <a:spcBef>
-                <a:spcPts val="0"/>
-              </a:spcBef>
-              <a:spcAft>
-                <a:spcPts val="0"/>
-              </a:spcAft>
-              <a:buNone/>
-            </a:pPr>
-            <a:fld id="{00000000-1234-1234-1234-123412341234}" type="slidenum">
-              <a:rPr lang="ru-RU"/>
-              <a:t>9</a:t>
-            </a:fld>
-            <a:endParaRPr/>
-          </a:p>
-        </p:txBody>
-      </p:sp>
-      <p:sp>
-        <p:nvSpPr>
-          <p:cNvPr id="3" name="AutoShape 4" descr="Selenium for Security Engineers. What is Selenium? | by Arnav Tripathy |  Medium">
-            <a:extLst>
-              <a:ext uri="{FF2B5EF4-FFF2-40B4-BE49-F238E27FC236}">
-                <a16:creationId xmlns:a16="http://schemas.microsoft.com/office/drawing/2014/main" id="{962A5612-BC93-7B9A-1C35-F8D1785DDB83}"/>
-              </a:ext>
-            </a:extLst>
-          </p:cNvPr>
-          <p:cNvSpPr>
-            <a:spLocks noChangeAspect="1" noChangeArrowheads="1"/>
-          </p:cNvSpPr>
-          <p:nvPr/>
-        </p:nvSpPr>
-        <p:spPr bwMode="auto">
-          <a:xfrm>
-            <a:off x="7602715" y="2065235"/>
-            <a:ext cx="548137" cy="548137"/>
-          </a:xfrm>
-          <a:prstGeom prst="rect">
-            <a:avLst/>
-          </a:prstGeom>
-          <a:noFill/>
-          <a:extLst>
-            <a:ext uri="{909E8E84-426E-40DD-AFC4-6F175D3DCCD1}">
-              <a14:hiddenFill xmlns:a14="http://schemas.microsoft.com/office/drawing/2010/main">
-                <a:solidFill>
-                  <a:srgbClr val="FFFFFF"/>
-                </a:solidFill>
-              </a14:hiddenFill>
-            </a:ext>
-          </a:extLst>
-        </p:spPr>
-        <p:txBody>
-          <a:bodyPr vert="horz" wrap="square" lIns="91440" tIns="45720" rIns="91440" bIns="45720" numCol="1" anchor="t" anchorCtr="0" compatLnSpc="1">
-            <a:prstTxWarp prst="textNoShape">
-              <a:avLst/>
-            </a:prstTxWarp>
-          </a:bodyPr>
-          <a:lstStyle/>
-          <a:p>
-            <a:endParaRPr lang="ru-BY"/>
-          </a:p>
-        </p:txBody>
-      </p:sp>
-      <p:sp>
-        <p:nvSpPr>
-          <p:cNvPr id="7" name="AutoShape 2" descr="GitHub - boostorg/boost: Super-project for modularized Boost">
-            <a:extLst>
-              <a:ext uri="{FF2B5EF4-FFF2-40B4-BE49-F238E27FC236}">
-                <a16:creationId xmlns:a16="http://schemas.microsoft.com/office/drawing/2014/main" id="{EDA3F412-BBEA-C5EB-9EE5-B48F17B4F4BB}"/>
-              </a:ext>
-            </a:extLst>
-          </p:cNvPr>
-          <p:cNvSpPr>
-            <a:spLocks noChangeAspect="1" noChangeArrowheads="1"/>
-          </p:cNvSpPr>
-          <p:nvPr/>
-        </p:nvSpPr>
-        <p:spPr bwMode="auto">
-          <a:xfrm>
-            <a:off x="6096000" y="3429000"/>
-            <a:ext cx="1661652" cy="1661652"/>
-          </a:xfrm>
-          <a:prstGeom prst="rect">
-            <a:avLst/>
-          </a:prstGeom>
-          <a:noFill/>
-          <a:extLst>
-            <a:ext uri="{909E8E84-426E-40DD-AFC4-6F175D3DCCD1}">
-              <a14:hiddenFill xmlns:a14="http://schemas.microsoft.com/office/drawing/2010/main">
-                <a:solidFill>
-                  <a:srgbClr val="FFFFFF"/>
-                </a:solidFill>
-              </a14:hiddenFill>
-            </a:ext>
-          </a:extLst>
-        </p:spPr>
-        <p:txBody>
-          <a:bodyPr vert="horz" wrap="square" lIns="91440" tIns="45720" rIns="91440" bIns="45720" numCol="1" anchor="t" anchorCtr="0" compatLnSpc="1">
-            <a:prstTxWarp prst="textNoShape">
-              <a:avLst/>
-            </a:prstTxWarp>
-          </a:bodyPr>
-          <a:lstStyle/>
-          <a:p>
-            <a:endParaRPr lang="ru-BY"/>
-          </a:p>
-        </p:txBody>
-      </p:sp>
-      <p:sp>
-        <p:nvSpPr>
-          <p:cNvPr id="8" name="AutoShape 4" descr="GitHub - boostorg/boost: Super-project for modularized Boost">
-            <a:extLst>
-              <a:ext uri="{FF2B5EF4-FFF2-40B4-BE49-F238E27FC236}">
-                <a16:creationId xmlns:a16="http://schemas.microsoft.com/office/drawing/2014/main" id="{EBE2738F-977C-DBBF-E466-77298DB4D0D3}"/>
-              </a:ext>
-            </a:extLst>
-          </p:cNvPr>
-          <p:cNvSpPr>
-            <a:spLocks noChangeAspect="1" noChangeArrowheads="1"/>
-          </p:cNvSpPr>
-          <p:nvPr/>
-        </p:nvSpPr>
-        <p:spPr bwMode="auto">
-          <a:xfrm>
-            <a:off x="6096000" y="3429000"/>
-            <a:ext cx="304800" cy="304800"/>
-          </a:xfrm>
-          <a:prstGeom prst="rect">
-            <a:avLst/>
-          </a:prstGeom>
-          <a:noFill/>
-          <a:extLst>
-            <a:ext uri="{909E8E84-426E-40DD-AFC4-6F175D3DCCD1}">
-              <a14:hiddenFill xmlns:a14="http://schemas.microsoft.com/office/drawing/2010/main">
-                <a:solidFill>
-                  <a:srgbClr val="FFFFFF"/>
-                </a:solidFill>
-              </a14:hiddenFill>
-            </a:ext>
-          </a:extLst>
-        </p:spPr>
-        <p:txBody>
-          <a:bodyPr vert="horz" wrap="square" lIns="91440" tIns="45720" rIns="91440" bIns="45720" numCol="1" anchor="t" anchorCtr="0" compatLnSpc="1">
-            <a:prstTxWarp prst="textNoShape">
-              <a:avLst/>
-            </a:prstTxWarp>
-          </a:bodyPr>
-          <a:lstStyle/>
-          <a:p>
-            <a:endParaRPr lang="ru-BY"/>
-          </a:p>
-        </p:txBody>
-      </p:sp>
-      <p:sp>
-        <p:nvSpPr>
-          <p:cNvPr id="2" name="TextBox 1">
-            <a:extLst>
-              <a:ext uri="{FF2B5EF4-FFF2-40B4-BE49-F238E27FC236}">
-                <a16:creationId xmlns:a16="http://schemas.microsoft.com/office/drawing/2014/main" id="{2D59395F-A30F-C29D-0BB4-124954D276ED}"/>
-              </a:ext>
-            </a:extLst>
-          </p:cNvPr>
-          <p:cNvSpPr txBox="1"/>
-          <p:nvPr/>
-        </p:nvSpPr>
-        <p:spPr>
-          <a:xfrm>
-            <a:off x="653795" y="1551222"/>
-            <a:ext cx="10586465" cy="3970318"/>
-          </a:xfrm>
-          <a:prstGeom prst="rect">
-            <a:avLst/>
-          </a:prstGeom>
-          <a:noFill/>
-        </p:spPr>
-        <p:txBody>
-          <a:bodyPr wrap="square" rtlCol="0">
-            <a:spAutoFit/>
-          </a:bodyPr>
-          <a:lstStyle/>
-          <a:p>
-            <a:pPr algn="l">
-              <a:buNone/>
-            </a:pPr>
-            <a:r>
-              <a:rPr lang="en-US" sz="3200" b="0" i="0" dirty="0">
-                <a:solidFill>
-                  <a:srgbClr val="F8FAFF"/>
-                </a:solidFill>
-                <a:effectLst/>
-                <a:latin typeface="DeepSeek-CJK-patch"/>
-              </a:rPr>
-              <a:t> </a:t>
-            </a:r>
-            <a:r>
-              <a:rPr lang="ru-BY" sz="3600" b="0" i="0" dirty="0">
-                <a:solidFill>
-                  <a:srgbClr val="F8FAFF"/>
-                </a:solidFill>
-                <a:effectLst/>
-                <a:latin typeface="DeepSeek-CJK-patch"/>
-              </a:rPr>
-              <a:t>🔹</a:t>
-            </a:r>
-            <a:r>
-              <a:rPr lang="en-US" sz="3600" b="1" i="0" dirty="0">
-                <a:solidFill>
-                  <a:schemeClr val="tx1"/>
-                </a:solidFill>
-                <a:effectLst/>
-                <a:latin typeface="DeepSeek-CJK-patch"/>
-              </a:rPr>
-              <a:t>CI/CD-</a:t>
-            </a:r>
-            <a:r>
-              <a:rPr lang="ru-RU" sz="3600" b="1" i="0" dirty="0">
-                <a:solidFill>
-                  <a:schemeClr val="tx1"/>
-                </a:solidFill>
-                <a:effectLst/>
-                <a:latin typeface="DeepSeek-CJK-patch"/>
-              </a:rPr>
-              <a:t>интеграция</a:t>
-            </a:r>
-            <a:endParaRPr lang="ru-RU" sz="3600" b="0" i="0" dirty="0">
-              <a:solidFill>
-                <a:schemeClr val="tx1"/>
-              </a:solidFill>
-              <a:effectLst/>
-              <a:latin typeface="DeepSeek-CJK-patch"/>
-            </a:endParaRPr>
-          </a:p>
-          <a:p>
-            <a:pPr algn="l">
-              <a:buFont typeface="Arial" panose="020B0604020202020204" pitchFamily="34" charset="0"/>
-              <a:buChar char="•"/>
-            </a:pPr>
-            <a:r>
-              <a:rPr lang="ru-BY" sz="3600" b="0" i="0" dirty="0">
-                <a:solidFill>
-                  <a:schemeClr val="tx1"/>
-                </a:solidFill>
-                <a:effectLst/>
-                <a:latin typeface="DeepSeek-CJK-patch"/>
-              </a:rPr>
-              <a:t> </a:t>
-            </a:r>
-            <a:r>
-              <a:rPr lang="ru-RU" sz="3600" b="0" i="0" dirty="0">
-                <a:solidFill>
-                  <a:schemeClr val="tx1"/>
-                </a:solidFill>
-                <a:effectLst/>
-                <a:latin typeface="DeepSeek-CJK-patch"/>
-              </a:rPr>
-              <a:t>Запуск тестов при </a:t>
-            </a:r>
-            <a:r>
-              <a:rPr lang="en-US" sz="3600" b="0" i="0" dirty="0">
-                <a:solidFill>
-                  <a:schemeClr val="tx1"/>
-                </a:solidFill>
-                <a:effectLst/>
-                <a:latin typeface="DeepSeek-CJK-patch"/>
-              </a:rPr>
-              <a:t>push/merge </a:t>
-            </a:r>
-            <a:r>
-              <a:rPr lang="ru-RU" sz="3600" b="0" i="0" dirty="0">
-                <a:solidFill>
-                  <a:schemeClr val="tx1"/>
-                </a:solidFill>
-                <a:effectLst/>
-                <a:latin typeface="DeepSeek-CJK-patch"/>
-              </a:rPr>
-              <a:t>в </a:t>
-            </a:r>
-            <a:r>
-              <a:rPr lang="en-US" sz="3600" b="0" i="0" dirty="0">
-                <a:solidFill>
-                  <a:schemeClr val="tx1"/>
-                </a:solidFill>
-                <a:effectLst/>
-                <a:latin typeface="DeepSeek-CJK-patch"/>
-              </a:rPr>
-              <a:t>Git (GitLab CI/GitHub Actions)</a:t>
-            </a:r>
-          </a:p>
-          <a:p>
-            <a:pPr algn="l">
-              <a:buNone/>
-            </a:pPr>
-            <a:r>
-              <a:rPr lang="ru-BY" sz="3600" b="0" i="0" dirty="0">
-                <a:solidFill>
-                  <a:schemeClr val="tx1"/>
-                </a:solidFill>
-                <a:effectLst/>
-                <a:latin typeface="DeepSeek-CJK-patch"/>
-              </a:rPr>
-              <a:t>🔹 </a:t>
-            </a:r>
-            <a:r>
-              <a:rPr lang="ru-RU" sz="3600" b="1" i="0" dirty="0">
-                <a:solidFill>
-                  <a:schemeClr val="tx1"/>
-                </a:solidFill>
-                <a:effectLst/>
-                <a:latin typeface="DeepSeek-CJK-patch"/>
-              </a:rPr>
-              <a:t>Расширение тестовой базы</a:t>
-            </a:r>
-            <a:endParaRPr lang="ru-RU" sz="3600" b="0" i="0" dirty="0">
-              <a:solidFill>
-                <a:schemeClr val="tx1"/>
-              </a:solidFill>
-              <a:effectLst/>
-              <a:latin typeface="DeepSeek-CJK-patch"/>
-            </a:endParaRPr>
-          </a:p>
-          <a:p>
-            <a:pPr algn="l">
-              <a:buFont typeface="Arial" panose="020B0604020202020204" pitchFamily="34" charset="0"/>
-              <a:buChar char="•"/>
-            </a:pPr>
-            <a:r>
-              <a:rPr lang="ru-BY" sz="3600" b="0" i="0" dirty="0">
-                <a:solidFill>
-                  <a:schemeClr val="tx1"/>
-                </a:solidFill>
-                <a:effectLst/>
-                <a:latin typeface="DeepSeek-CJK-patch"/>
-              </a:rPr>
-              <a:t> </a:t>
-            </a:r>
-            <a:r>
-              <a:rPr lang="ru-RU" sz="3600" b="0" i="0" dirty="0">
-                <a:solidFill>
-                  <a:schemeClr val="tx1"/>
-                </a:solidFill>
-                <a:effectLst/>
-                <a:latin typeface="DeepSeek-CJK-patch"/>
-              </a:rPr>
-              <a:t>Увеличение покрытия (модульные → </a:t>
-            </a:r>
-            <a:r>
-              <a:rPr lang="ru-BY" sz="3600" b="0" i="0" dirty="0">
-                <a:solidFill>
-                  <a:schemeClr val="tx1"/>
-                </a:solidFill>
-                <a:effectLst/>
-                <a:latin typeface="DeepSeek-CJK-patch"/>
-              </a:rPr>
-              <a:t>системные</a:t>
-            </a:r>
-            <a:r>
-              <a:rPr lang="en-US" sz="3600" b="0" i="0" dirty="0">
-                <a:solidFill>
-                  <a:schemeClr val="tx1"/>
-                </a:solidFill>
-                <a:effectLst/>
-                <a:latin typeface="DeepSeek-CJK-patch"/>
-              </a:rPr>
-              <a:t>)</a:t>
-            </a:r>
-          </a:p>
-          <a:p>
-            <a:pPr algn="l">
-              <a:buNone/>
-            </a:pPr>
-            <a:r>
-              <a:rPr lang="ru-BY" sz="3600" b="0" i="0" dirty="0">
-                <a:solidFill>
-                  <a:schemeClr val="tx1"/>
-                </a:solidFill>
-                <a:effectLst/>
-                <a:latin typeface="DeepSeek-CJK-patch"/>
-              </a:rPr>
-              <a:t>🔹 </a:t>
-            </a:r>
-            <a:r>
-              <a:rPr lang="ru-RU" sz="3600" b="1" i="0" dirty="0">
-                <a:solidFill>
-                  <a:schemeClr val="tx1"/>
-                </a:solidFill>
-                <a:effectLst/>
-                <a:latin typeface="DeepSeek-CJK-patch"/>
-              </a:rPr>
-              <a:t>Улучшенная отчётность</a:t>
-            </a:r>
-            <a:endParaRPr lang="ru-RU" sz="3600" b="0" i="0" dirty="0">
-              <a:solidFill>
-                <a:schemeClr val="tx1"/>
-              </a:solidFill>
-              <a:effectLst/>
-              <a:latin typeface="DeepSeek-CJK-patch"/>
-            </a:endParaRPr>
-          </a:p>
-          <a:p>
-            <a:pPr algn="l">
-              <a:buFont typeface="Arial" panose="020B0604020202020204" pitchFamily="34" charset="0"/>
-              <a:buChar char="•"/>
-            </a:pPr>
-            <a:r>
-              <a:rPr lang="ru-BY" sz="3600" b="0" i="0" dirty="0">
-                <a:solidFill>
-                  <a:schemeClr val="tx1"/>
-                </a:solidFill>
-                <a:effectLst/>
-                <a:latin typeface="DeepSeek-CJK-patch"/>
-              </a:rPr>
-              <a:t> </a:t>
-            </a:r>
-            <a:r>
-              <a:rPr lang="ru-RU" sz="3600" b="0" i="0" dirty="0">
-                <a:solidFill>
-                  <a:schemeClr val="tx1"/>
-                </a:solidFill>
-                <a:effectLst/>
-                <a:latin typeface="DeepSeek-CJK-patch"/>
-              </a:rPr>
-              <a:t>У</a:t>
-            </a:r>
-            <a:r>
-              <a:rPr lang="ru-BY" sz="3600" dirty="0" err="1">
-                <a:solidFill>
-                  <a:schemeClr val="tx1"/>
-                </a:solidFill>
-                <a:latin typeface="DeepSeek-CJK-patch"/>
-              </a:rPr>
-              <a:t>лучшенная</a:t>
-            </a:r>
-            <a:r>
-              <a:rPr lang="ru-BY" sz="3600" dirty="0">
-                <a:solidFill>
-                  <a:schemeClr val="tx1"/>
-                </a:solidFill>
-                <a:latin typeface="DeepSeek-CJK-patch"/>
-              </a:rPr>
-              <a:t> структура отчетов</a:t>
-            </a:r>
-            <a:endParaRPr lang="en-US" sz="3600" b="0" i="0" dirty="0">
-              <a:solidFill>
-                <a:schemeClr val="tx1"/>
-              </a:solidFill>
-              <a:effectLst/>
-              <a:latin typeface="DeepSeek-CJK-patch"/>
-            </a:endParaRPr>
-          </a:p>
-        </p:txBody>
-      </p:sp>
-    </p:spTree>
-    <p:extLst>
-      <p:ext uri="{BB962C8B-B14F-4D97-AF65-F5344CB8AC3E}">
-        <p14:creationId xmlns:p14="http://schemas.microsoft.com/office/powerpoint/2010/main" val="4286829412"/>
       </p:ext>
     </p:extLst>
   </p:cSld>
